--- a/Slides/Semester 2/Week 7 - Threads in Java, Method References and Value Iteration.pptx
+++ b/Slides/Semester 2/Week 7 - Threads in Java, Method References and Value Iteration.pptx
@@ -3,23 +3,26 @@
 <p:presentation xmlns:a="http://schemas.openxmlformats.org/drawingml/2006/main" xmlns:r="http://schemas.openxmlformats.org/officeDocument/2006/relationships" xmlns:p="http://schemas.openxmlformats.org/presentationml/2006/main" saveSubsetFonts="1">
   <p:sldMasterIdLst>
     <p:sldMasterId id="2147483648" r:id="rId4"/>
+    <p:sldMasterId id="2147483660" r:id="rId5"/>
   </p:sldMasterIdLst>
   <p:notesMasterIdLst>
-    <p:notesMasterId r:id="rId17"/>
+    <p:notesMasterId r:id="rId20"/>
   </p:notesMasterIdLst>
   <p:sldIdLst>
-    <p:sldId id="256" r:id="rId5"/>
-    <p:sldId id="311" r:id="rId6"/>
-    <p:sldId id="310" r:id="rId7"/>
-    <p:sldId id="316" r:id="rId8"/>
-    <p:sldId id="312" r:id="rId9"/>
-    <p:sldId id="313" r:id="rId10"/>
-    <p:sldId id="314" r:id="rId11"/>
-    <p:sldId id="315" r:id="rId12"/>
-    <p:sldId id="317" r:id="rId13"/>
-    <p:sldId id="318" r:id="rId14"/>
-    <p:sldId id="319" r:id="rId15"/>
-    <p:sldId id="320" r:id="rId16"/>
+    <p:sldId id="256" r:id="rId6"/>
+    <p:sldId id="322" r:id="rId7"/>
+    <p:sldId id="311" r:id="rId8"/>
+    <p:sldId id="310" r:id="rId9"/>
+    <p:sldId id="316" r:id="rId10"/>
+    <p:sldId id="312" r:id="rId11"/>
+    <p:sldId id="313" r:id="rId12"/>
+    <p:sldId id="314" r:id="rId13"/>
+    <p:sldId id="315" r:id="rId14"/>
+    <p:sldId id="317" r:id="rId15"/>
+    <p:sldId id="318" r:id="rId16"/>
+    <p:sldId id="319" r:id="rId17"/>
+    <p:sldId id="320" r:id="rId18"/>
+    <p:sldId id="260" r:id="rId19"/>
   </p:sldIdLst>
   <p:sldSz cx="12192000" cy="6858000"/>
   <p:notesSz cx="6858000" cy="9144000"/>
@@ -159,6 +162,14 @@
 </p:cmAuthorLst>
 </file>
 
+<file path=ppt/revisionInfo.xml><?xml version="1.0" encoding="utf-8"?>
+<p1510:revInfo xmlns:a="http://schemas.openxmlformats.org/drawingml/2006/main" xmlns:r="http://schemas.openxmlformats.org/officeDocument/2006/relationships" xmlns:p1510="http://schemas.microsoft.com/office/powerpoint/2015/10/main">
+  <p1510:revLst>
+    <p1510:client id="{952F5E44-34D0-47D9-8A31-5250302F13AF}" v="12" dt="2022-03-06T14:55:44.433"/>
+  </p1510:revLst>
+</p1510:revInfo>
+</file>
+
 <file path=ppt/notesMasters/notesMaster1.xml><?xml version="1.0" encoding="utf-8"?>
 <p:notesMaster xmlns:a="http://schemas.openxmlformats.org/drawingml/2006/main" xmlns:r="http://schemas.openxmlformats.org/officeDocument/2006/relationships" xmlns:p="http://schemas.openxmlformats.org/presentationml/2006/main">
   <p:cSld>
@@ -1205,6 +1216,1703 @@
 </p:sldLayout>
 </file>
 
+<file path=ppt/slideLayouts/slideLayout12.xml><?xml version="1.0" encoding="utf-8"?>
+<p:sldLayout xmlns:a="http://schemas.openxmlformats.org/drawingml/2006/main" xmlns:r="http://schemas.openxmlformats.org/officeDocument/2006/relationships" xmlns:p="http://schemas.openxmlformats.org/presentationml/2006/main" type="title" preserve="1">
+  <p:cSld name="Title Slide">
+    <p:spTree>
+      <p:nvGrpSpPr>
+        <p:cNvPr id="1" name=""/>
+        <p:cNvGrpSpPr/>
+        <p:nvPr/>
+      </p:nvGrpSpPr>
+      <p:grpSpPr>
+        <a:xfrm>
+          <a:off x="0" y="0"/>
+          <a:ext cx="0" cy="0"/>
+          <a:chOff x="0" y="0"/>
+          <a:chExt cx="0" cy="0"/>
+        </a:xfrm>
+      </p:grpSpPr>
+      <p:sp>
+        <p:nvSpPr>
+          <p:cNvPr id="2" name="Title 1"/>
+          <p:cNvSpPr>
+            <a:spLocks noGrp="1"/>
+          </p:cNvSpPr>
+          <p:nvPr>
+            <p:ph type="ctrTitle"/>
+          </p:nvPr>
+        </p:nvSpPr>
+        <p:spPr>
+          <a:xfrm>
+            <a:off x="1524000" y="1122363"/>
+            <a:ext cx="9144000" cy="2387600"/>
+          </a:xfrm>
+        </p:spPr>
+        <p:txBody>
+          <a:bodyPr anchor="b"/>
+          <a:lstStyle>
+            <a:lvl1pPr algn="ctr">
+              <a:defRPr sz="6000"/>
+            </a:lvl1pPr>
+          </a:lstStyle>
+          <a:p>
+            <a:r>
+              <a:rPr lang="en-US"/>
+              <a:t>Click to edit Master title style</a:t>
+            </a:r>
+            <a:endParaRPr lang="en-GB"/>
+          </a:p>
+        </p:txBody>
+      </p:sp>
+      <p:sp>
+        <p:nvSpPr>
+          <p:cNvPr id="3" name="Subtitle 2"/>
+          <p:cNvSpPr>
+            <a:spLocks noGrp="1"/>
+          </p:cNvSpPr>
+          <p:nvPr>
+            <p:ph type="subTitle" idx="1"/>
+          </p:nvPr>
+        </p:nvSpPr>
+        <p:spPr>
+          <a:xfrm>
+            <a:off x="1524000" y="3602038"/>
+            <a:ext cx="9144000" cy="1655762"/>
+          </a:xfrm>
+        </p:spPr>
+        <p:txBody>
+          <a:bodyPr/>
+          <a:lstStyle>
+            <a:lvl1pPr marL="0" indent="0" algn="ctr">
+              <a:buNone/>
+              <a:defRPr sz="2400"/>
+            </a:lvl1pPr>
+            <a:lvl2pPr marL="457200" indent="0" algn="ctr">
+              <a:buNone/>
+              <a:defRPr sz="2000"/>
+            </a:lvl2pPr>
+            <a:lvl3pPr marL="914400" indent="0" algn="ctr">
+              <a:buNone/>
+              <a:defRPr sz="1800"/>
+            </a:lvl3pPr>
+            <a:lvl4pPr marL="1371600" indent="0" algn="ctr">
+              <a:buNone/>
+              <a:defRPr sz="1600"/>
+            </a:lvl4pPr>
+            <a:lvl5pPr marL="1828800" indent="0" algn="ctr">
+              <a:buNone/>
+              <a:defRPr sz="1600"/>
+            </a:lvl5pPr>
+            <a:lvl6pPr marL="2286000" indent="0" algn="ctr">
+              <a:buNone/>
+              <a:defRPr sz="1600"/>
+            </a:lvl6pPr>
+            <a:lvl7pPr marL="2743200" indent="0" algn="ctr">
+              <a:buNone/>
+              <a:defRPr sz="1600"/>
+            </a:lvl7pPr>
+            <a:lvl8pPr marL="3200400" indent="0" algn="ctr">
+              <a:buNone/>
+              <a:defRPr sz="1600"/>
+            </a:lvl8pPr>
+            <a:lvl9pPr marL="3657600" indent="0" algn="ctr">
+              <a:buNone/>
+              <a:defRPr sz="1600"/>
+            </a:lvl9pPr>
+          </a:lstStyle>
+          <a:p>
+            <a:r>
+              <a:rPr lang="en-US"/>
+              <a:t>Click to edit Master subtitle style</a:t>
+            </a:r>
+            <a:endParaRPr lang="en-GB"/>
+          </a:p>
+        </p:txBody>
+      </p:sp>
+      <p:sp>
+        <p:nvSpPr>
+          <p:cNvPr id="4" name="Date Placeholder 3"/>
+          <p:cNvSpPr>
+            <a:spLocks noGrp="1"/>
+          </p:cNvSpPr>
+          <p:nvPr>
+            <p:ph type="dt" sz="half" idx="10"/>
+          </p:nvPr>
+        </p:nvSpPr>
+        <p:spPr/>
+        <p:txBody>
+          <a:bodyPr/>
+          <a:lstStyle/>
+          <a:p>
+            <a:fld id="{C4B5ACA3-ACD3-4FCE-80A3-B817290AD515}" type="datetimeFigureOut">
+              <a:rPr lang="en-GB" smtClean="0"/>
+              <a:t>21/03/2022</a:t>
+            </a:fld>
+            <a:endParaRPr lang="en-GB"/>
+          </a:p>
+        </p:txBody>
+      </p:sp>
+      <p:sp>
+        <p:nvSpPr>
+          <p:cNvPr id="5" name="Footer Placeholder 4"/>
+          <p:cNvSpPr>
+            <a:spLocks noGrp="1"/>
+          </p:cNvSpPr>
+          <p:nvPr>
+            <p:ph type="ftr" sz="quarter" idx="11"/>
+          </p:nvPr>
+        </p:nvSpPr>
+        <p:spPr/>
+        <p:txBody>
+          <a:bodyPr/>
+          <a:lstStyle/>
+          <a:p>
+            <a:endParaRPr lang="en-GB"/>
+          </a:p>
+        </p:txBody>
+      </p:sp>
+      <p:sp>
+        <p:nvSpPr>
+          <p:cNvPr id="6" name="Slide Number Placeholder 5"/>
+          <p:cNvSpPr>
+            <a:spLocks noGrp="1"/>
+          </p:cNvSpPr>
+          <p:nvPr>
+            <p:ph type="sldNum" sz="quarter" idx="12"/>
+          </p:nvPr>
+        </p:nvSpPr>
+        <p:spPr/>
+        <p:txBody>
+          <a:bodyPr/>
+          <a:lstStyle/>
+          <a:p>
+            <a:fld id="{801AA3D1-5AAC-40E8-A27C-C7FCCD99ED97}" type="slidenum">
+              <a:rPr lang="en-GB" smtClean="0"/>
+              <a:t>‹#›</a:t>
+            </a:fld>
+            <a:endParaRPr lang="en-GB"/>
+          </a:p>
+        </p:txBody>
+      </p:sp>
+    </p:spTree>
+    <p:extLst>
+      <p:ext uri="{BB962C8B-B14F-4D97-AF65-F5344CB8AC3E}">
+        <p14:creationId xmlns:p14="http://schemas.microsoft.com/office/powerpoint/2010/main" val="23275966"/>
+      </p:ext>
+    </p:extLst>
+  </p:cSld>
+  <p:clrMapOvr>
+    <a:masterClrMapping/>
+  </p:clrMapOvr>
+</p:sldLayout>
+</file>
+
+<file path=ppt/slideLayouts/slideLayout13.xml><?xml version="1.0" encoding="utf-8"?>
+<p:sldLayout xmlns:a="http://schemas.openxmlformats.org/drawingml/2006/main" xmlns:r="http://schemas.openxmlformats.org/officeDocument/2006/relationships" xmlns:p="http://schemas.openxmlformats.org/presentationml/2006/main" type="obj" preserve="1">
+  <p:cSld name="Title and Content">
+    <p:spTree>
+      <p:nvGrpSpPr>
+        <p:cNvPr id="1" name=""/>
+        <p:cNvGrpSpPr/>
+        <p:nvPr/>
+      </p:nvGrpSpPr>
+      <p:grpSpPr>
+        <a:xfrm>
+          <a:off x="0" y="0"/>
+          <a:ext cx="0" cy="0"/>
+          <a:chOff x="0" y="0"/>
+          <a:chExt cx="0" cy="0"/>
+        </a:xfrm>
+      </p:grpSpPr>
+      <p:sp>
+        <p:nvSpPr>
+          <p:cNvPr id="2" name="Title 1"/>
+          <p:cNvSpPr>
+            <a:spLocks noGrp="1"/>
+          </p:cNvSpPr>
+          <p:nvPr>
+            <p:ph type="title"/>
+          </p:nvPr>
+        </p:nvSpPr>
+        <p:spPr/>
+        <p:txBody>
+          <a:bodyPr/>
+          <a:lstStyle/>
+          <a:p>
+            <a:r>
+              <a:rPr lang="en-US"/>
+              <a:t>Click to edit Master title style</a:t>
+            </a:r>
+            <a:endParaRPr lang="en-GB"/>
+          </a:p>
+        </p:txBody>
+      </p:sp>
+      <p:sp>
+        <p:nvSpPr>
+          <p:cNvPr id="3" name="Content Placeholder 2"/>
+          <p:cNvSpPr>
+            <a:spLocks noGrp="1"/>
+          </p:cNvSpPr>
+          <p:nvPr>
+            <p:ph idx="1"/>
+          </p:nvPr>
+        </p:nvSpPr>
+        <p:spPr/>
+        <p:txBody>
+          <a:bodyPr/>
+          <a:lstStyle/>
+          <a:p>
+            <a:pPr lvl="0"/>
+            <a:r>
+              <a:rPr lang="en-US"/>
+              <a:t>Click to edit Master text styles</a:t>
+            </a:r>
+          </a:p>
+          <a:p>
+            <a:pPr lvl="1"/>
+            <a:r>
+              <a:rPr lang="en-US"/>
+              <a:t>Second level</a:t>
+            </a:r>
+          </a:p>
+          <a:p>
+            <a:pPr lvl="2"/>
+            <a:r>
+              <a:rPr lang="en-US"/>
+              <a:t>Third level</a:t>
+            </a:r>
+          </a:p>
+          <a:p>
+            <a:pPr lvl="3"/>
+            <a:r>
+              <a:rPr lang="en-US"/>
+              <a:t>Fourth level</a:t>
+            </a:r>
+          </a:p>
+          <a:p>
+            <a:pPr lvl="4"/>
+            <a:r>
+              <a:rPr lang="en-US"/>
+              <a:t>Fifth level</a:t>
+            </a:r>
+            <a:endParaRPr lang="en-GB"/>
+          </a:p>
+        </p:txBody>
+      </p:sp>
+      <p:sp>
+        <p:nvSpPr>
+          <p:cNvPr id="4" name="Date Placeholder 3"/>
+          <p:cNvSpPr>
+            <a:spLocks noGrp="1"/>
+          </p:cNvSpPr>
+          <p:nvPr>
+            <p:ph type="dt" sz="half" idx="10"/>
+          </p:nvPr>
+        </p:nvSpPr>
+        <p:spPr/>
+        <p:txBody>
+          <a:bodyPr/>
+          <a:lstStyle/>
+          <a:p>
+            <a:fld id="{C4B5ACA3-ACD3-4FCE-80A3-B817290AD515}" type="datetimeFigureOut">
+              <a:rPr lang="en-GB" smtClean="0"/>
+              <a:t>21/03/2022</a:t>
+            </a:fld>
+            <a:endParaRPr lang="en-GB"/>
+          </a:p>
+        </p:txBody>
+      </p:sp>
+      <p:sp>
+        <p:nvSpPr>
+          <p:cNvPr id="5" name="Footer Placeholder 4"/>
+          <p:cNvSpPr>
+            <a:spLocks noGrp="1"/>
+          </p:cNvSpPr>
+          <p:nvPr>
+            <p:ph type="ftr" sz="quarter" idx="11"/>
+          </p:nvPr>
+        </p:nvSpPr>
+        <p:spPr/>
+        <p:txBody>
+          <a:bodyPr/>
+          <a:lstStyle/>
+          <a:p>
+            <a:endParaRPr lang="en-GB"/>
+          </a:p>
+        </p:txBody>
+      </p:sp>
+      <p:sp>
+        <p:nvSpPr>
+          <p:cNvPr id="6" name="Slide Number Placeholder 5"/>
+          <p:cNvSpPr>
+            <a:spLocks noGrp="1"/>
+          </p:cNvSpPr>
+          <p:nvPr>
+            <p:ph type="sldNum" sz="quarter" idx="12"/>
+          </p:nvPr>
+        </p:nvSpPr>
+        <p:spPr/>
+        <p:txBody>
+          <a:bodyPr/>
+          <a:lstStyle/>
+          <a:p>
+            <a:fld id="{801AA3D1-5AAC-40E8-A27C-C7FCCD99ED97}" type="slidenum">
+              <a:rPr lang="en-GB" smtClean="0"/>
+              <a:t>‹#›</a:t>
+            </a:fld>
+            <a:endParaRPr lang="en-GB"/>
+          </a:p>
+        </p:txBody>
+      </p:sp>
+    </p:spTree>
+    <p:extLst>
+      <p:ext uri="{BB962C8B-B14F-4D97-AF65-F5344CB8AC3E}">
+        <p14:creationId xmlns:p14="http://schemas.microsoft.com/office/powerpoint/2010/main" val="2224086702"/>
+      </p:ext>
+    </p:extLst>
+  </p:cSld>
+  <p:clrMapOvr>
+    <a:masterClrMapping/>
+  </p:clrMapOvr>
+</p:sldLayout>
+</file>
+
+<file path=ppt/slideLayouts/slideLayout14.xml><?xml version="1.0" encoding="utf-8"?>
+<p:sldLayout xmlns:a="http://schemas.openxmlformats.org/drawingml/2006/main" xmlns:r="http://schemas.openxmlformats.org/officeDocument/2006/relationships" xmlns:p="http://schemas.openxmlformats.org/presentationml/2006/main" type="secHead" preserve="1">
+  <p:cSld name="Section Header">
+    <p:spTree>
+      <p:nvGrpSpPr>
+        <p:cNvPr id="1" name=""/>
+        <p:cNvGrpSpPr/>
+        <p:nvPr/>
+      </p:nvGrpSpPr>
+      <p:grpSpPr>
+        <a:xfrm>
+          <a:off x="0" y="0"/>
+          <a:ext cx="0" cy="0"/>
+          <a:chOff x="0" y="0"/>
+          <a:chExt cx="0" cy="0"/>
+        </a:xfrm>
+      </p:grpSpPr>
+      <p:sp>
+        <p:nvSpPr>
+          <p:cNvPr id="2" name="Title 1"/>
+          <p:cNvSpPr>
+            <a:spLocks noGrp="1"/>
+          </p:cNvSpPr>
+          <p:nvPr>
+            <p:ph type="title"/>
+          </p:nvPr>
+        </p:nvSpPr>
+        <p:spPr>
+          <a:xfrm>
+            <a:off x="831850" y="1709738"/>
+            <a:ext cx="10515600" cy="2852737"/>
+          </a:xfrm>
+        </p:spPr>
+        <p:txBody>
+          <a:bodyPr anchor="b"/>
+          <a:lstStyle>
+            <a:lvl1pPr>
+              <a:defRPr sz="6000"/>
+            </a:lvl1pPr>
+          </a:lstStyle>
+          <a:p>
+            <a:r>
+              <a:rPr lang="en-US"/>
+              <a:t>Click to edit Master title style</a:t>
+            </a:r>
+            <a:endParaRPr lang="en-GB"/>
+          </a:p>
+        </p:txBody>
+      </p:sp>
+      <p:sp>
+        <p:nvSpPr>
+          <p:cNvPr id="3" name="Text Placeholder 2"/>
+          <p:cNvSpPr>
+            <a:spLocks noGrp="1"/>
+          </p:cNvSpPr>
+          <p:nvPr>
+            <p:ph type="body" idx="1"/>
+          </p:nvPr>
+        </p:nvSpPr>
+        <p:spPr>
+          <a:xfrm>
+            <a:off x="831850" y="4589463"/>
+            <a:ext cx="10515600" cy="1500187"/>
+          </a:xfrm>
+        </p:spPr>
+        <p:txBody>
+          <a:bodyPr/>
+          <a:lstStyle>
+            <a:lvl1pPr marL="0" indent="0">
+              <a:buNone/>
+              <a:defRPr sz="2400">
+                <a:solidFill>
+                  <a:schemeClr val="tx1">
+                    <a:tint val="75000"/>
+                  </a:schemeClr>
+                </a:solidFill>
+              </a:defRPr>
+            </a:lvl1pPr>
+            <a:lvl2pPr marL="457200" indent="0">
+              <a:buNone/>
+              <a:defRPr sz="2000">
+                <a:solidFill>
+                  <a:schemeClr val="tx1">
+                    <a:tint val="75000"/>
+                  </a:schemeClr>
+                </a:solidFill>
+              </a:defRPr>
+            </a:lvl2pPr>
+            <a:lvl3pPr marL="914400" indent="0">
+              <a:buNone/>
+              <a:defRPr sz="1800">
+                <a:solidFill>
+                  <a:schemeClr val="tx1">
+                    <a:tint val="75000"/>
+                  </a:schemeClr>
+                </a:solidFill>
+              </a:defRPr>
+            </a:lvl3pPr>
+            <a:lvl4pPr marL="1371600" indent="0">
+              <a:buNone/>
+              <a:defRPr sz="1600">
+                <a:solidFill>
+                  <a:schemeClr val="tx1">
+                    <a:tint val="75000"/>
+                  </a:schemeClr>
+                </a:solidFill>
+              </a:defRPr>
+            </a:lvl4pPr>
+            <a:lvl5pPr marL="1828800" indent="0">
+              <a:buNone/>
+              <a:defRPr sz="1600">
+                <a:solidFill>
+                  <a:schemeClr val="tx1">
+                    <a:tint val="75000"/>
+                  </a:schemeClr>
+                </a:solidFill>
+              </a:defRPr>
+            </a:lvl5pPr>
+            <a:lvl6pPr marL="2286000" indent="0">
+              <a:buNone/>
+              <a:defRPr sz="1600">
+                <a:solidFill>
+                  <a:schemeClr val="tx1">
+                    <a:tint val="75000"/>
+                  </a:schemeClr>
+                </a:solidFill>
+              </a:defRPr>
+            </a:lvl6pPr>
+            <a:lvl7pPr marL="2743200" indent="0">
+              <a:buNone/>
+              <a:defRPr sz="1600">
+                <a:solidFill>
+                  <a:schemeClr val="tx1">
+                    <a:tint val="75000"/>
+                  </a:schemeClr>
+                </a:solidFill>
+              </a:defRPr>
+            </a:lvl7pPr>
+            <a:lvl8pPr marL="3200400" indent="0">
+              <a:buNone/>
+              <a:defRPr sz="1600">
+                <a:solidFill>
+                  <a:schemeClr val="tx1">
+                    <a:tint val="75000"/>
+                  </a:schemeClr>
+                </a:solidFill>
+              </a:defRPr>
+            </a:lvl8pPr>
+            <a:lvl9pPr marL="3657600" indent="0">
+              <a:buNone/>
+              <a:defRPr sz="1600">
+                <a:solidFill>
+                  <a:schemeClr val="tx1">
+                    <a:tint val="75000"/>
+                  </a:schemeClr>
+                </a:solidFill>
+              </a:defRPr>
+            </a:lvl9pPr>
+          </a:lstStyle>
+          <a:p>
+            <a:pPr lvl="0"/>
+            <a:r>
+              <a:rPr lang="en-US"/>
+              <a:t>Click to edit Master text styles</a:t>
+            </a:r>
+          </a:p>
+        </p:txBody>
+      </p:sp>
+      <p:sp>
+        <p:nvSpPr>
+          <p:cNvPr id="4" name="Date Placeholder 3"/>
+          <p:cNvSpPr>
+            <a:spLocks noGrp="1"/>
+          </p:cNvSpPr>
+          <p:nvPr>
+            <p:ph type="dt" sz="half" idx="10"/>
+          </p:nvPr>
+        </p:nvSpPr>
+        <p:spPr/>
+        <p:txBody>
+          <a:bodyPr/>
+          <a:lstStyle/>
+          <a:p>
+            <a:fld id="{C4B5ACA3-ACD3-4FCE-80A3-B817290AD515}" type="datetimeFigureOut">
+              <a:rPr lang="en-GB" smtClean="0"/>
+              <a:t>21/03/2022</a:t>
+            </a:fld>
+            <a:endParaRPr lang="en-GB"/>
+          </a:p>
+        </p:txBody>
+      </p:sp>
+      <p:sp>
+        <p:nvSpPr>
+          <p:cNvPr id="5" name="Footer Placeholder 4"/>
+          <p:cNvSpPr>
+            <a:spLocks noGrp="1"/>
+          </p:cNvSpPr>
+          <p:nvPr>
+            <p:ph type="ftr" sz="quarter" idx="11"/>
+          </p:nvPr>
+        </p:nvSpPr>
+        <p:spPr/>
+        <p:txBody>
+          <a:bodyPr/>
+          <a:lstStyle/>
+          <a:p>
+            <a:endParaRPr lang="en-GB"/>
+          </a:p>
+        </p:txBody>
+      </p:sp>
+      <p:sp>
+        <p:nvSpPr>
+          <p:cNvPr id="6" name="Slide Number Placeholder 5"/>
+          <p:cNvSpPr>
+            <a:spLocks noGrp="1"/>
+          </p:cNvSpPr>
+          <p:nvPr>
+            <p:ph type="sldNum" sz="quarter" idx="12"/>
+          </p:nvPr>
+        </p:nvSpPr>
+        <p:spPr/>
+        <p:txBody>
+          <a:bodyPr/>
+          <a:lstStyle/>
+          <a:p>
+            <a:fld id="{801AA3D1-5AAC-40E8-A27C-C7FCCD99ED97}" type="slidenum">
+              <a:rPr lang="en-GB" smtClean="0"/>
+              <a:t>‹#›</a:t>
+            </a:fld>
+            <a:endParaRPr lang="en-GB"/>
+          </a:p>
+        </p:txBody>
+      </p:sp>
+    </p:spTree>
+    <p:extLst>
+      <p:ext uri="{BB962C8B-B14F-4D97-AF65-F5344CB8AC3E}">
+        <p14:creationId xmlns:p14="http://schemas.microsoft.com/office/powerpoint/2010/main" val="3571514811"/>
+      </p:ext>
+    </p:extLst>
+  </p:cSld>
+  <p:clrMapOvr>
+    <a:masterClrMapping/>
+  </p:clrMapOvr>
+</p:sldLayout>
+</file>
+
+<file path=ppt/slideLayouts/slideLayout15.xml><?xml version="1.0" encoding="utf-8"?>
+<p:sldLayout xmlns:a="http://schemas.openxmlformats.org/drawingml/2006/main" xmlns:r="http://schemas.openxmlformats.org/officeDocument/2006/relationships" xmlns:p="http://schemas.openxmlformats.org/presentationml/2006/main" type="twoObj" preserve="1">
+  <p:cSld name="Two Content">
+    <p:spTree>
+      <p:nvGrpSpPr>
+        <p:cNvPr id="1" name=""/>
+        <p:cNvGrpSpPr/>
+        <p:nvPr/>
+      </p:nvGrpSpPr>
+      <p:grpSpPr>
+        <a:xfrm>
+          <a:off x="0" y="0"/>
+          <a:ext cx="0" cy="0"/>
+          <a:chOff x="0" y="0"/>
+          <a:chExt cx="0" cy="0"/>
+        </a:xfrm>
+      </p:grpSpPr>
+      <p:sp>
+        <p:nvSpPr>
+          <p:cNvPr id="2" name="Title 1"/>
+          <p:cNvSpPr>
+            <a:spLocks noGrp="1"/>
+          </p:cNvSpPr>
+          <p:nvPr>
+            <p:ph type="title"/>
+          </p:nvPr>
+        </p:nvSpPr>
+        <p:spPr/>
+        <p:txBody>
+          <a:bodyPr/>
+          <a:lstStyle/>
+          <a:p>
+            <a:r>
+              <a:rPr lang="en-US"/>
+              <a:t>Click to edit Master title style</a:t>
+            </a:r>
+            <a:endParaRPr lang="en-GB"/>
+          </a:p>
+        </p:txBody>
+      </p:sp>
+      <p:sp>
+        <p:nvSpPr>
+          <p:cNvPr id="3" name="Content Placeholder 2"/>
+          <p:cNvSpPr>
+            <a:spLocks noGrp="1"/>
+          </p:cNvSpPr>
+          <p:nvPr>
+            <p:ph sz="half" idx="1"/>
+          </p:nvPr>
+        </p:nvSpPr>
+        <p:spPr>
+          <a:xfrm>
+            <a:off x="838200" y="1825625"/>
+            <a:ext cx="5181600" cy="4351338"/>
+          </a:xfrm>
+        </p:spPr>
+        <p:txBody>
+          <a:bodyPr/>
+          <a:lstStyle/>
+          <a:p>
+            <a:pPr lvl="0"/>
+            <a:r>
+              <a:rPr lang="en-US"/>
+              <a:t>Click to edit Master text styles</a:t>
+            </a:r>
+          </a:p>
+          <a:p>
+            <a:pPr lvl="1"/>
+            <a:r>
+              <a:rPr lang="en-US"/>
+              <a:t>Second level</a:t>
+            </a:r>
+          </a:p>
+          <a:p>
+            <a:pPr lvl="2"/>
+            <a:r>
+              <a:rPr lang="en-US"/>
+              <a:t>Third level</a:t>
+            </a:r>
+          </a:p>
+          <a:p>
+            <a:pPr lvl="3"/>
+            <a:r>
+              <a:rPr lang="en-US"/>
+              <a:t>Fourth level</a:t>
+            </a:r>
+          </a:p>
+          <a:p>
+            <a:pPr lvl="4"/>
+            <a:r>
+              <a:rPr lang="en-US"/>
+              <a:t>Fifth level</a:t>
+            </a:r>
+            <a:endParaRPr lang="en-GB"/>
+          </a:p>
+        </p:txBody>
+      </p:sp>
+      <p:sp>
+        <p:nvSpPr>
+          <p:cNvPr id="4" name="Content Placeholder 3"/>
+          <p:cNvSpPr>
+            <a:spLocks noGrp="1"/>
+          </p:cNvSpPr>
+          <p:nvPr>
+            <p:ph sz="half" idx="2"/>
+          </p:nvPr>
+        </p:nvSpPr>
+        <p:spPr>
+          <a:xfrm>
+            <a:off x="6172200" y="1825625"/>
+            <a:ext cx="5181600" cy="4351338"/>
+          </a:xfrm>
+        </p:spPr>
+        <p:txBody>
+          <a:bodyPr/>
+          <a:lstStyle/>
+          <a:p>
+            <a:pPr lvl="0"/>
+            <a:r>
+              <a:rPr lang="en-US"/>
+              <a:t>Click to edit Master text styles</a:t>
+            </a:r>
+          </a:p>
+          <a:p>
+            <a:pPr lvl="1"/>
+            <a:r>
+              <a:rPr lang="en-US"/>
+              <a:t>Second level</a:t>
+            </a:r>
+          </a:p>
+          <a:p>
+            <a:pPr lvl="2"/>
+            <a:r>
+              <a:rPr lang="en-US"/>
+              <a:t>Third level</a:t>
+            </a:r>
+          </a:p>
+          <a:p>
+            <a:pPr lvl="3"/>
+            <a:r>
+              <a:rPr lang="en-US"/>
+              <a:t>Fourth level</a:t>
+            </a:r>
+          </a:p>
+          <a:p>
+            <a:pPr lvl="4"/>
+            <a:r>
+              <a:rPr lang="en-US"/>
+              <a:t>Fifth level</a:t>
+            </a:r>
+            <a:endParaRPr lang="en-GB"/>
+          </a:p>
+        </p:txBody>
+      </p:sp>
+      <p:sp>
+        <p:nvSpPr>
+          <p:cNvPr id="5" name="Date Placeholder 4"/>
+          <p:cNvSpPr>
+            <a:spLocks noGrp="1"/>
+          </p:cNvSpPr>
+          <p:nvPr>
+            <p:ph type="dt" sz="half" idx="10"/>
+          </p:nvPr>
+        </p:nvSpPr>
+        <p:spPr/>
+        <p:txBody>
+          <a:bodyPr/>
+          <a:lstStyle/>
+          <a:p>
+            <a:fld id="{C4B5ACA3-ACD3-4FCE-80A3-B817290AD515}" type="datetimeFigureOut">
+              <a:rPr lang="en-GB" smtClean="0"/>
+              <a:t>21/03/2022</a:t>
+            </a:fld>
+            <a:endParaRPr lang="en-GB"/>
+          </a:p>
+        </p:txBody>
+      </p:sp>
+      <p:sp>
+        <p:nvSpPr>
+          <p:cNvPr id="6" name="Footer Placeholder 5"/>
+          <p:cNvSpPr>
+            <a:spLocks noGrp="1"/>
+          </p:cNvSpPr>
+          <p:nvPr>
+            <p:ph type="ftr" sz="quarter" idx="11"/>
+          </p:nvPr>
+        </p:nvSpPr>
+        <p:spPr/>
+        <p:txBody>
+          <a:bodyPr/>
+          <a:lstStyle/>
+          <a:p>
+            <a:endParaRPr lang="en-GB"/>
+          </a:p>
+        </p:txBody>
+      </p:sp>
+      <p:sp>
+        <p:nvSpPr>
+          <p:cNvPr id="7" name="Slide Number Placeholder 6"/>
+          <p:cNvSpPr>
+            <a:spLocks noGrp="1"/>
+          </p:cNvSpPr>
+          <p:nvPr>
+            <p:ph type="sldNum" sz="quarter" idx="12"/>
+          </p:nvPr>
+        </p:nvSpPr>
+        <p:spPr/>
+        <p:txBody>
+          <a:bodyPr/>
+          <a:lstStyle/>
+          <a:p>
+            <a:fld id="{801AA3D1-5AAC-40E8-A27C-C7FCCD99ED97}" type="slidenum">
+              <a:rPr lang="en-GB" smtClean="0"/>
+              <a:t>‹#›</a:t>
+            </a:fld>
+            <a:endParaRPr lang="en-GB"/>
+          </a:p>
+        </p:txBody>
+      </p:sp>
+    </p:spTree>
+    <p:extLst>
+      <p:ext uri="{BB962C8B-B14F-4D97-AF65-F5344CB8AC3E}">
+        <p14:creationId xmlns:p14="http://schemas.microsoft.com/office/powerpoint/2010/main" val="670603235"/>
+      </p:ext>
+    </p:extLst>
+  </p:cSld>
+  <p:clrMapOvr>
+    <a:masterClrMapping/>
+  </p:clrMapOvr>
+</p:sldLayout>
+</file>
+
+<file path=ppt/slideLayouts/slideLayout16.xml><?xml version="1.0" encoding="utf-8"?>
+<p:sldLayout xmlns:a="http://schemas.openxmlformats.org/drawingml/2006/main" xmlns:r="http://schemas.openxmlformats.org/officeDocument/2006/relationships" xmlns:p="http://schemas.openxmlformats.org/presentationml/2006/main" type="twoTxTwoObj" preserve="1">
+  <p:cSld name="Comparison">
+    <p:spTree>
+      <p:nvGrpSpPr>
+        <p:cNvPr id="1" name=""/>
+        <p:cNvGrpSpPr/>
+        <p:nvPr/>
+      </p:nvGrpSpPr>
+      <p:grpSpPr>
+        <a:xfrm>
+          <a:off x="0" y="0"/>
+          <a:ext cx="0" cy="0"/>
+          <a:chOff x="0" y="0"/>
+          <a:chExt cx="0" cy="0"/>
+        </a:xfrm>
+      </p:grpSpPr>
+      <p:sp>
+        <p:nvSpPr>
+          <p:cNvPr id="2" name="Title 1"/>
+          <p:cNvSpPr>
+            <a:spLocks noGrp="1"/>
+          </p:cNvSpPr>
+          <p:nvPr>
+            <p:ph type="title"/>
+          </p:nvPr>
+        </p:nvSpPr>
+        <p:spPr>
+          <a:xfrm>
+            <a:off x="839788" y="365125"/>
+            <a:ext cx="10515600" cy="1325563"/>
+          </a:xfrm>
+        </p:spPr>
+        <p:txBody>
+          <a:bodyPr/>
+          <a:lstStyle/>
+          <a:p>
+            <a:r>
+              <a:rPr lang="en-US"/>
+              <a:t>Click to edit Master title style</a:t>
+            </a:r>
+            <a:endParaRPr lang="en-GB"/>
+          </a:p>
+        </p:txBody>
+      </p:sp>
+      <p:sp>
+        <p:nvSpPr>
+          <p:cNvPr id="3" name="Text Placeholder 2"/>
+          <p:cNvSpPr>
+            <a:spLocks noGrp="1"/>
+          </p:cNvSpPr>
+          <p:nvPr>
+            <p:ph type="body" idx="1"/>
+          </p:nvPr>
+        </p:nvSpPr>
+        <p:spPr>
+          <a:xfrm>
+            <a:off x="839788" y="1681163"/>
+            <a:ext cx="5157787" cy="823912"/>
+          </a:xfrm>
+        </p:spPr>
+        <p:txBody>
+          <a:bodyPr anchor="b"/>
+          <a:lstStyle>
+            <a:lvl1pPr marL="0" indent="0">
+              <a:buNone/>
+              <a:defRPr sz="2400" b="1"/>
+            </a:lvl1pPr>
+            <a:lvl2pPr marL="457200" indent="0">
+              <a:buNone/>
+              <a:defRPr sz="2000" b="1"/>
+            </a:lvl2pPr>
+            <a:lvl3pPr marL="914400" indent="0">
+              <a:buNone/>
+              <a:defRPr sz="1800" b="1"/>
+            </a:lvl3pPr>
+            <a:lvl4pPr marL="1371600" indent="0">
+              <a:buNone/>
+              <a:defRPr sz="1600" b="1"/>
+            </a:lvl4pPr>
+            <a:lvl5pPr marL="1828800" indent="0">
+              <a:buNone/>
+              <a:defRPr sz="1600" b="1"/>
+            </a:lvl5pPr>
+            <a:lvl6pPr marL="2286000" indent="0">
+              <a:buNone/>
+              <a:defRPr sz="1600" b="1"/>
+            </a:lvl6pPr>
+            <a:lvl7pPr marL="2743200" indent="0">
+              <a:buNone/>
+              <a:defRPr sz="1600" b="1"/>
+            </a:lvl7pPr>
+            <a:lvl8pPr marL="3200400" indent="0">
+              <a:buNone/>
+              <a:defRPr sz="1600" b="1"/>
+            </a:lvl8pPr>
+            <a:lvl9pPr marL="3657600" indent="0">
+              <a:buNone/>
+              <a:defRPr sz="1600" b="1"/>
+            </a:lvl9pPr>
+          </a:lstStyle>
+          <a:p>
+            <a:pPr lvl="0"/>
+            <a:r>
+              <a:rPr lang="en-US"/>
+              <a:t>Click to edit Master text styles</a:t>
+            </a:r>
+          </a:p>
+        </p:txBody>
+      </p:sp>
+      <p:sp>
+        <p:nvSpPr>
+          <p:cNvPr id="4" name="Content Placeholder 3"/>
+          <p:cNvSpPr>
+            <a:spLocks noGrp="1"/>
+          </p:cNvSpPr>
+          <p:nvPr>
+            <p:ph sz="half" idx="2"/>
+          </p:nvPr>
+        </p:nvSpPr>
+        <p:spPr>
+          <a:xfrm>
+            <a:off x="839788" y="2505075"/>
+            <a:ext cx="5157787" cy="3684588"/>
+          </a:xfrm>
+        </p:spPr>
+        <p:txBody>
+          <a:bodyPr/>
+          <a:lstStyle/>
+          <a:p>
+            <a:pPr lvl="0"/>
+            <a:r>
+              <a:rPr lang="en-US"/>
+              <a:t>Click to edit Master text styles</a:t>
+            </a:r>
+          </a:p>
+          <a:p>
+            <a:pPr lvl="1"/>
+            <a:r>
+              <a:rPr lang="en-US"/>
+              <a:t>Second level</a:t>
+            </a:r>
+          </a:p>
+          <a:p>
+            <a:pPr lvl="2"/>
+            <a:r>
+              <a:rPr lang="en-US"/>
+              <a:t>Third level</a:t>
+            </a:r>
+          </a:p>
+          <a:p>
+            <a:pPr lvl="3"/>
+            <a:r>
+              <a:rPr lang="en-US"/>
+              <a:t>Fourth level</a:t>
+            </a:r>
+          </a:p>
+          <a:p>
+            <a:pPr lvl="4"/>
+            <a:r>
+              <a:rPr lang="en-US"/>
+              <a:t>Fifth level</a:t>
+            </a:r>
+            <a:endParaRPr lang="en-GB"/>
+          </a:p>
+        </p:txBody>
+      </p:sp>
+      <p:sp>
+        <p:nvSpPr>
+          <p:cNvPr id="5" name="Text Placeholder 4"/>
+          <p:cNvSpPr>
+            <a:spLocks noGrp="1"/>
+          </p:cNvSpPr>
+          <p:nvPr>
+            <p:ph type="body" sz="quarter" idx="3"/>
+          </p:nvPr>
+        </p:nvSpPr>
+        <p:spPr>
+          <a:xfrm>
+            <a:off x="6172200" y="1681163"/>
+            <a:ext cx="5183188" cy="823912"/>
+          </a:xfrm>
+        </p:spPr>
+        <p:txBody>
+          <a:bodyPr anchor="b"/>
+          <a:lstStyle>
+            <a:lvl1pPr marL="0" indent="0">
+              <a:buNone/>
+              <a:defRPr sz="2400" b="1"/>
+            </a:lvl1pPr>
+            <a:lvl2pPr marL="457200" indent="0">
+              <a:buNone/>
+              <a:defRPr sz="2000" b="1"/>
+            </a:lvl2pPr>
+            <a:lvl3pPr marL="914400" indent="0">
+              <a:buNone/>
+              <a:defRPr sz="1800" b="1"/>
+            </a:lvl3pPr>
+            <a:lvl4pPr marL="1371600" indent="0">
+              <a:buNone/>
+              <a:defRPr sz="1600" b="1"/>
+            </a:lvl4pPr>
+            <a:lvl5pPr marL="1828800" indent="0">
+              <a:buNone/>
+              <a:defRPr sz="1600" b="1"/>
+            </a:lvl5pPr>
+            <a:lvl6pPr marL="2286000" indent="0">
+              <a:buNone/>
+              <a:defRPr sz="1600" b="1"/>
+            </a:lvl6pPr>
+            <a:lvl7pPr marL="2743200" indent="0">
+              <a:buNone/>
+              <a:defRPr sz="1600" b="1"/>
+            </a:lvl7pPr>
+            <a:lvl8pPr marL="3200400" indent="0">
+              <a:buNone/>
+              <a:defRPr sz="1600" b="1"/>
+            </a:lvl8pPr>
+            <a:lvl9pPr marL="3657600" indent="0">
+              <a:buNone/>
+              <a:defRPr sz="1600" b="1"/>
+            </a:lvl9pPr>
+          </a:lstStyle>
+          <a:p>
+            <a:pPr lvl="0"/>
+            <a:r>
+              <a:rPr lang="en-US"/>
+              <a:t>Click to edit Master text styles</a:t>
+            </a:r>
+          </a:p>
+        </p:txBody>
+      </p:sp>
+      <p:sp>
+        <p:nvSpPr>
+          <p:cNvPr id="6" name="Content Placeholder 5"/>
+          <p:cNvSpPr>
+            <a:spLocks noGrp="1"/>
+          </p:cNvSpPr>
+          <p:nvPr>
+            <p:ph sz="quarter" idx="4"/>
+          </p:nvPr>
+        </p:nvSpPr>
+        <p:spPr>
+          <a:xfrm>
+            <a:off x="6172200" y="2505075"/>
+            <a:ext cx="5183188" cy="3684588"/>
+          </a:xfrm>
+        </p:spPr>
+        <p:txBody>
+          <a:bodyPr/>
+          <a:lstStyle/>
+          <a:p>
+            <a:pPr lvl="0"/>
+            <a:r>
+              <a:rPr lang="en-US"/>
+              <a:t>Click to edit Master text styles</a:t>
+            </a:r>
+          </a:p>
+          <a:p>
+            <a:pPr lvl="1"/>
+            <a:r>
+              <a:rPr lang="en-US"/>
+              <a:t>Second level</a:t>
+            </a:r>
+          </a:p>
+          <a:p>
+            <a:pPr lvl="2"/>
+            <a:r>
+              <a:rPr lang="en-US"/>
+              <a:t>Third level</a:t>
+            </a:r>
+          </a:p>
+          <a:p>
+            <a:pPr lvl="3"/>
+            <a:r>
+              <a:rPr lang="en-US"/>
+              <a:t>Fourth level</a:t>
+            </a:r>
+          </a:p>
+          <a:p>
+            <a:pPr lvl="4"/>
+            <a:r>
+              <a:rPr lang="en-US"/>
+              <a:t>Fifth level</a:t>
+            </a:r>
+            <a:endParaRPr lang="en-GB"/>
+          </a:p>
+        </p:txBody>
+      </p:sp>
+      <p:sp>
+        <p:nvSpPr>
+          <p:cNvPr id="7" name="Date Placeholder 6"/>
+          <p:cNvSpPr>
+            <a:spLocks noGrp="1"/>
+          </p:cNvSpPr>
+          <p:nvPr>
+            <p:ph type="dt" sz="half" idx="10"/>
+          </p:nvPr>
+        </p:nvSpPr>
+        <p:spPr/>
+        <p:txBody>
+          <a:bodyPr/>
+          <a:lstStyle/>
+          <a:p>
+            <a:fld id="{C4B5ACA3-ACD3-4FCE-80A3-B817290AD515}" type="datetimeFigureOut">
+              <a:rPr lang="en-GB" smtClean="0"/>
+              <a:t>21/03/2022</a:t>
+            </a:fld>
+            <a:endParaRPr lang="en-GB"/>
+          </a:p>
+        </p:txBody>
+      </p:sp>
+      <p:sp>
+        <p:nvSpPr>
+          <p:cNvPr id="8" name="Footer Placeholder 7"/>
+          <p:cNvSpPr>
+            <a:spLocks noGrp="1"/>
+          </p:cNvSpPr>
+          <p:nvPr>
+            <p:ph type="ftr" sz="quarter" idx="11"/>
+          </p:nvPr>
+        </p:nvSpPr>
+        <p:spPr/>
+        <p:txBody>
+          <a:bodyPr/>
+          <a:lstStyle/>
+          <a:p>
+            <a:endParaRPr lang="en-GB"/>
+          </a:p>
+        </p:txBody>
+      </p:sp>
+      <p:sp>
+        <p:nvSpPr>
+          <p:cNvPr id="9" name="Slide Number Placeholder 8"/>
+          <p:cNvSpPr>
+            <a:spLocks noGrp="1"/>
+          </p:cNvSpPr>
+          <p:nvPr>
+            <p:ph type="sldNum" sz="quarter" idx="12"/>
+          </p:nvPr>
+        </p:nvSpPr>
+        <p:spPr/>
+        <p:txBody>
+          <a:bodyPr/>
+          <a:lstStyle/>
+          <a:p>
+            <a:fld id="{801AA3D1-5AAC-40E8-A27C-C7FCCD99ED97}" type="slidenum">
+              <a:rPr lang="en-GB" smtClean="0"/>
+              <a:t>‹#›</a:t>
+            </a:fld>
+            <a:endParaRPr lang="en-GB"/>
+          </a:p>
+        </p:txBody>
+      </p:sp>
+    </p:spTree>
+    <p:extLst>
+      <p:ext uri="{BB962C8B-B14F-4D97-AF65-F5344CB8AC3E}">
+        <p14:creationId xmlns:p14="http://schemas.microsoft.com/office/powerpoint/2010/main" val="2372445727"/>
+      </p:ext>
+    </p:extLst>
+  </p:cSld>
+  <p:clrMapOvr>
+    <a:masterClrMapping/>
+  </p:clrMapOvr>
+</p:sldLayout>
+</file>
+
+<file path=ppt/slideLayouts/slideLayout17.xml><?xml version="1.0" encoding="utf-8"?>
+<p:sldLayout xmlns:a="http://schemas.openxmlformats.org/drawingml/2006/main" xmlns:r="http://schemas.openxmlformats.org/officeDocument/2006/relationships" xmlns:p="http://schemas.openxmlformats.org/presentationml/2006/main" type="titleOnly" preserve="1">
+  <p:cSld name="Title Only">
+    <p:spTree>
+      <p:nvGrpSpPr>
+        <p:cNvPr id="1" name=""/>
+        <p:cNvGrpSpPr/>
+        <p:nvPr/>
+      </p:nvGrpSpPr>
+      <p:grpSpPr>
+        <a:xfrm>
+          <a:off x="0" y="0"/>
+          <a:ext cx="0" cy="0"/>
+          <a:chOff x="0" y="0"/>
+          <a:chExt cx="0" cy="0"/>
+        </a:xfrm>
+      </p:grpSpPr>
+      <p:sp>
+        <p:nvSpPr>
+          <p:cNvPr id="2" name="Title 1"/>
+          <p:cNvSpPr>
+            <a:spLocks noGrp="1"/>
+          </p:cNvSpPr>
+          <p:nvPr>
+            <p:ph type="title"/>
+          </p:nvPr>
+        </p:nvSpPr>
+        <p:spPr/>
+        <p:txBody>
+          <a:bodyPr/>
+          <a:lstStyle/>
+          <a:p>
+            <a:r>
+              <a:rPr lang="en-US"/>
+              <a:t>Click to edit Master title style</a:t>
+            </a:r>
+            <a:endParaRPr lang="en-GB"/>
+          </a:p>
+        </p:txBody>
+      </p:sp>
+      <p:sp>
+        <p:nvSpPr>
+          <p:cNvPr id="3" name="Date Placeholder 2"/>
+          <p:cNvSpPr>
+            <a:spLocks noGrp="1"/>
+          </p:cNvSpPr>
+          <p:nvPr>
+            <p:ph type="dt" sz="half" idx="10"/>
+          </p:nvPr>
+        </p:nvSpPr>
+        <p:spPr/>
+        <p:txBody>
+          <a:bodyPr/>
+          <a:lstStyle/>
+          <a:p>
+            <a:fld id="{C4B5ACA3-ACD3-4FCE-80A3-B817290AD515}" type="datetimeFigureOut">
+              <a:rPr lang="en-GB" smtClean="0"/>
+              <a:t>21/03/2022</a:t>
+            </a:fld>
+            <a:endParaRPr lang="en-GB"/>
+          </a:p>
+        </p:txBody>
+      </p:sp>
+      <p:sp>
+        <p:nvSpPr>
+          <p:cNvPr id="4" name="Footer Placeholder 3"/>
+          <p:cNvSpPr>
+            <a:spLocks noGrp="1"/>
+          </p:cNvSpPr>
+          <p:nvPr>
+            <p:ph type="ftr" sz="quarter" idx="11"/>
+          </p:nvPr>
+        </p:nvSpPr>
+        <p:spPr/>
+        <p:txBody>
+          <a:bodyPr/>
+          <a:lstStyle/>
+          <a:p>
+            <a:endParaRPr lang="en-GB"/>
+          </a:p>
+        </p:txBody>
+      </p:sp>
+      <p:sp>
+        <p:nvSpPr>
+          <p:cNvPr id="5" name="Slide Number Placeholder 4"/>
+          <p:cNvSpPr>
+            <a:spLocks noGrp="1"/>
+          </p:cNvSpPr>
+          <p:nvPr>
+            <p:ph type="sldNum" sz="quarter" idx="12"/>
+          </p:nvPr>
+        </p:nvSpPr>
+        <p:spPr/>
+        <p:txBody>
+          <a:bodyPr/>
+          <a:lstStyle/>
+          <a:p>
+            <a:fld id="{801AA3D1-5AAC-40E8-A27C-C7FCCD99ED97}" type="slidenum">
+              <a:rPr lang="en-GB" smtClean="0"/>
+              <a:t>‹#›</a:t>
+            </a:fld>
+            <a:endParaRPr lang="en-GB"/>
+          </a:p>
+        </p:txBody>
+      </p:sp>
+    </p:spTree>
+    <p:extLst>
+      <p:ext uri="{BB962C8B-B14F-4D97-AF65-F5344CB8AC3E}">
+        <p14:creationId xmlns:p14="http://schemas.microsoft.com/office/powerpoint/2010/main" val="272253162"/>
+      </p:ext>
+    </p:extLst>
+  </p:cSld>
+  <p:clrMapOvr>
+    <a:masterClrMapping/>
+  </p:clrMapOvr>
+</p:sldLayout>
+</file>
+
+<file path=ppt/slideLayouts/slideLayout18.xml><?xml version="1.0" encoding="utf-8"?>
+<p:sldLayout xmlns:a="http://schemas.openxmlformats.org/drawingml/2006/main" xmlns:r="http://schemas.openxmlformats.org/officeDocument/2006/relationships" xmlns:p="http://schemas.openxmlformats.org/presentationml/2006/main" type="blank" preserve="1">
+  <p:cSld name="Blank">
+    <p:spTree>
+      <p:nvGrpSpPr>
+        <p:cNvPr id="1" name=""/>
+        <p:cNvGrpSpPr/>
+        <p:nvPr/>
+      </p:nvGrpSpPr>
+      <p:grpSpPr>
+        <a:xfrm>
+          <a:off x="0" y="0"/>
+          <a:ext cx="0" cy="0"/>
+          <a:chOff x="0" y="0"/>
+          <a:chExt cx="0" cy="0"/>
+        </a:xfrm>
+      </p:grpSpPr>
+      <p:sp>
+        <p:nvSpPr>
+          <p:cNvPr id="2" name="Date Placeholder 1"/>
+          <p:cNvSpPr>
+            <a:spLocks noGrp="1"/>
+          </p:cNvSpPr>
+          <p:nvPr>
+            <p:ph type="dt" sz="half" idx="10"/>
+          </p:nvPr>
+        </p:nvSpPr>
+        <p:spPr/>
+        <p:txBody>
+          <a:bodyPr/>
+          <a:lstStyle/>
+          <a:p>
+            <a:fld id="{C4B5ACA3-ACD3-4FCE-80A3-B817290AD515}" type="datetimeFigureOut">
+              <a:rPr lang="en-GB" smtClean="0"/>
+              <a:t>21/03/2022</a:t>
+            </a:fld>
+            <a:endParaRPr lang="en-GB"/>
+          </a:p>
+        </p:txBody>
+      </p:sp>
+      <p:sp>
+        <p:nvSpPr>
+          <p:cNvPr id="3" name="Footer Placeholder 2"/>
+          <p:cNvSpPr>
+            <a:spLocks noGrp="1"/>
+          </p:cNvSpPr>
+          <p:nvPr>
+            <p:ph type="ftr" sz="quarter" idx="11"/>
+          </p:nvPr>
+        </p:nvSpPr>
+        <p:spPr/>
+        <p:txBody>
+          <a:bodyPr/>
+          <a:lstStyle/>
+          <a:p>
+            <a:endParaRPr lang="en-GB"/>
+          </a:p>
+        </p:txBody>
+      </p:sp>
+      <p:sp>
+        <p:nvSpPr>
+          <p:cNvPr id="4" name="Slide Number Placeholder 3"/>
+          <p:cNvSpPr>
+            <a:spLocks noGrp="1"/>
+          </p:cNvSpPr>
+          <p:nvPr>
+            <p:ph type="sldNum" sz="quarter" idx="12"/>
+          </p:nvPr>
+        </p:nvSpPr>
+        <p:spPr/>
+        <p:txBody>
+          <a:bodyPr/>
+          <a:lstStyle/>
+          <a:p>
+            <a:fld id="{801AA3D1-5AAC-40E8-A27C-C7FCCD99ED97}" type="slidenum">
+              <a:rPr lang="en-GB" smtClean="0"/>
+              <a:t>‹#›</a:t>
+            </a:fld>
+            <a:endParaRPr lang="en-GB"/>
+          </a:p>
+        </p:txBody>
+      </p:sp>
+    </p:spTree>
+    <p:extLst>
+      <p:ext uri="{BB962C8B-B14F-4D97-AF65-F5344CB8AC3E}">
+        <p14:creationId xmlns:p14="http://schemas.microsoft.com/office/powerpoint/2010/main" val="1167114919"/>
+      </p:ext>
+    </p:extLst>
+  </p:cSld>
+  <p:clrMapOvr>
+    <a:masterClrMapping/>
+  </p:clrMapOvr>
+</p:sldLayout>
+</file>
+
+<file path=ppt/slideLayouts/slideLayout19.xml><?xml version="1.0" encoding="utf-8"?>
+<p:sldLayout xmlns:a="http://schemas.openxmlformats.org/drawingml/2006/main" xmlns:r="http://schemas.openxmlformats.org/officeDocument/2006/relationships" xmlns:p="http://schemas.openxmlformats.org/presentationml/2006/main" type="objTx" preserve="1">
+  <p:cSld name="Content with Caption">
+    <p:spTree>
+      <p:nvGrpSpPr>
+        <p:cNvPr id="1" name=""/>
+        <p:cNvGrpSpPr/>
+        <p:nvPr/>
+      </p:nvGrpSpPr>
+      <p:grpSpPr>
+        <a:xfrm>
+          <a:off x="0" y="0"/>
+          <a:ext cx="0" cy="0"/>
+          <a:chOff x="0" y="0"/>
+          <a:chExt cx="0" cy="0"/>
+        </a:xfrm>
+      </p:grpSpPr>
+      <p:sp>
+        <p:nvSpPr>
+          <p:cNvPr id="2" name="Title 1"/>
+          <p:cNvSpPr>
+            <a:spLocks noGrp="1"/>
+          </p:cNvSpPr>
+          <p:nvPr>
+            <p:ph type="title"/>
+          </p:nvPr>
+        </p:nvSpPr>
+        <p:spPr>
+          <a:xfrm>
+            <a:off x="839788" y="457200"/>
+            <a:ext cx="3932237" cy="1600200"/>
+          </a:xfrm>
+        </p:spPr>
+        <p:txBody>
+          <a:bodyPr anchor="b"/>
+          <a:lstStyle>
+            <a:lvl1pPr>
+              <a:defRPr sz="3200"/>
+            </a:lvl1pPr>
+          </a:lstStyle>
+          <a:p>
+            <a:r>
+              <a:rPr lang="en-US"/>
+              <a:t>Click to edit Master title style</a:t>
+            </a:r>
+            <a:endParaRPr lang="en-GB"/>
+          </a:p>
+        </p:txBody>
+      </p:sp>
+      <p:sp>
+        <p:nvSpPr>
+          <p:cNvPr id="3" name="Content Placeholder 2"/>
+          <p:cNvSpPr>
+            <a:spLocks noGrp="1"/>
+          </p:cNvSpPr>
+          <p:nvPr>
+            <p:ph idx="1"/>
+          </p:nvPr>
+        </p:nvSpPr>
+        <p:spPr>
+          <a:xfrm>
+            <a:off x="5183188" y="987425"/>
+            <a:ext cx="6172200" cy="4873625"/>
+          </a:xfrm>
+        </p:spPr>
+        <p:txBody>
+          <a:bodyPr/>
+          <a:lstStyle>
+            <a:lvl1pPr>
+              <a:defRPr sz="3200"/>
+            </a:lvl1pPr>
+            <a:lvl2pPr>
+              <a:defRPr sz="2800"/>
+            </a:lvl2pPr>
+            <a:lvl3pPr>
+              <a:defRPr sz="2400"/>
+            </a:lvl3pPr>
+            <a:lvl4pPr>
+              <a:defRPr sz="2000"/>
+            </a:lvl4pPr>
+            <a:lvl5pPr>
+              <a:defRPr sz="2000"/>
+            </a:lvl5pPr>
+            <a:lvl6pPr>
+              <a:defRPr sz="2000"/>
+            </a:lvl6pPr>
+            <a:lvl7pPr>
+              <a:defRPr sz="2000"/>
+            </a:lvl7pPr>
+            <a:lvl8pPr>
+              <a:defRPr sz="2000"/>
+            </a:lvl8pPr>
+            <a:lvl9pPr>
+              <a:defRPr sz="2000"/>
+            </a:lvl9pPr>
+          </a:lstStyle>
+          <a:p>
+            <a:pPr lvl="0"/>
+            <a:r>
+              <a:rPr lang="en-US"/>
+              <a:t>Click to edit Master text styles</a:t>
+            </a:r>
+          </a:p>
+          <a:p>
+            <a:pPr lvl="1"/>
+            <a:r>
+              <a:rPr lang="en-US"/>
+              <a:t>Second level</a:t>
+            </a:r>
+          </a:p>
+          <a:p>
+            <a:pPr lvl="2"/>
+            <a:r>
+              <a:rPr lang="en-US"/>
+              <a:t>Third level</a:t>
+            </a:r>
+          </a:p>
+          <a:p>
+            <a:pPr lvl="3"/>
+            <a:r>
+              <a:rPr lang="en-US"/>
+              <a:t>Fourth level</a:t>
+            </a:r>
+          </a:p>
+          <a:p>
+            <a:pPr lvl="4"/>
+            <a:r>
+              <a:rPr lang="en-US"/>
+              <a:t>Fifth level</a:t>
+            </a:r>
+            <a:endParaRPr lang="en-GB"/>
+          </a:p>
+        </p:txBody>
+      </p:sp>
+      <p:sp>
+        <p:nvSpPr>
+          <p:cNvPr id="4" name="Text Placeholder 3"/>
+          <p:cNvSpPr>
+            <a:spLocks noGrp="1"/>
+          </p:cNvSpPr>
+          <p:nvPr>
+            <p:ph type="body" sz="half" idx="2"/>
+          </p:nvPr>
+        </p:nvSpPr>
+        <p:spPr>
+          <a:xfrm>
+            <a:off x="839788" y="2057400"/>
+            <a:ext cx="3932237" cy="3811588"/>
+          </a:xfrm>
+        </p:spPr>
+        <p:txBody>
+          <a:bodyPr/>
+          <a:lstStyle>
+            <a:lvl1pPr marL="0" indent="0">
+              <a:buNone/>
+              <a:defRPr sz="1600"/>
+            </a:lvl1pPr>
+            <a:lvl2pPr marL="457200" indent="0">
+              <a:buNone/>
+              <a:defRPr sz="1400"/>
+            </a:lvl2pPr>
+            <a:lvl3pPr marL="914400" indent="0">
+              <a:buNone/>
+              <a:defRPr sz="1200"/>
+            </a:lvl3pPr>
+            <a:lvl4pPr marL="1371600" indent="0">
+              <a:buNone/>
+              <a:defRPr sz="1000"/>
+            </a:lvl4pPr>
+            <a:lvl5pPr marL="1828800" indent="0">
+              <a:buNone/>
+              <a:defRPr sz="1000"/>
+            </a:lvl5pPr>
+            <a:lvl6pPr marL="2286000" indent="0">
+              <a:buNone/>
+              <a:defRPr sz="1000"/>
+            </a:lvl6pPr>
+            <a:lvl7pPr marL="2743200" indent="0">
+              <a:buNone/>
+              <a:defRPr sz="1000"/>
+            </a:lvl7pPr>
+            <a:lvl8pPr marL="3200400" indent="0">
+              <a:buNone/>
+              <a:defRPr sz="1000"/>
+            </a:lvl8pPr>
+            <a:lvl9pPr marL="3657600" indent="0">
+              <a:buNone/>
+              <a:defRPr sz="1000"/>
+            </a:lvl9pPr>
+          </a:lstStyle>
+          <a:p>
+            <a:pPr lvl="0"/>
+            <a:r>
+              <a:rPr lang="en-US"/>
+              <a:t>Click to edit Master text styles</a:t>
+            </a:r>
+          </a:p>
+        </p:txBody>
+      </p:sp>
+      <p:sp>
+        <p:nvSpPr>
+          <p:cNvPr id="5" name="Date Placeholder 4"/>
+          <p:cNvSpPr>
+            <a:spLocks noGrp="1"/>
+          </p:cNvSpPr>
+          <p:nvPr>
+            <p:ph type="dt" sz="half" idx="10"/>
+          </p:nvPr>
+        </p:nvSpPr>
+        <p:spPr/>
+        <p:txBody>
+          <a:bodyPr/>
+          <a:lstStyle/>
+          <a:p>
+            <a:fld id="{C4B5ACA3-ACD3-4FCE-80A3-B817290AD515}" type="datetimeFigureOut">
+              <a:rPr lang="en-GB" smtClean="0"/>
+              <a:t>21/03/2022</a:t>
+            </a:fld>
+            <a:endParaRPr lang="en-GB"/>
+          </a:p>
+        </p:txBody>
+      </p:sp>
+      <p:sp>
+        <p:nvSpPr>
+          <p:cNvPr id="6" name="Footer Placeholder 5"/>
+          <p:cNvSpPr>
+            <a:spLocks noGrp="1"/>
+          </p:cNvSpPr>
+          <p:nvPr>
+            <p:ph type="ftr" sz="quarter" idx="11"/>
+          </p:nvPr>
+        </p:nvSpPr>
+        <p:spPr/>
+        <p:txBody>
+          <a:bodyPr/>
+          <a:lstStyle/>
+          <a:p>
+            <a:endParaRPr lang="en-GB"/>
+          </a:p>
+        </p:txBody>
+      </p:sp>
+      <p:sp>
+        <p:nvSpPr>
+          <p:cNvPr id="7" name="Slide Number Placeholder 6"/>
+          <p:cNvSpPr>
+            <a:spLocks noGrp="1"/>
+          </p:cNvSpPr>
+          <p:nvPr>
+            <p:ph type="sldNum" sz="quarter" idx="12"/>
+          </p:nvPr>
+        </p:nvSpPr>
+        <p:spPr/>
+        <p:txBody>
+          <a:bodyPr/>
+          <a:lstStyle/>
+          <a:p>
+            <a:fld id="{801AA3D1-5AAC-40E8-A27C-C7FCCD99ED97}" type="slidenum">
+              <a:rPr lang="en-GB" smtClean="0"/>
+              <a:t>‹#›</a:t>
+            </a:fld>
+            <a:endParaRPr lang="en-GB"/>
+          </a:p>
+        </p:txBody>
+      </p:sp>
+    </p:spTree>
+    <p:extLst>
+      <p:ext uri="{BB962C8B-B14F-4D97-AF65-F5344CB8AC3E}">
+        <p14:creationId xmlns:p14="http://schemas.microsoft.com/office/powerpoint/2010/main" val="2498757598"/>
+      </p:ext>
+    </p:extLst>
+  </p:cSld>
+  <p:clrMapOvr>
+    <a:masterClrMapping/>
+  </p:clrMapOvr>
+</p:sldLayout>
+</file>
+
 <file path=ppt/slideLayouts/slideLayout2.xml><?xml version="1.0" encoding="utf-8"?>
 <p:sldLayout xmlns:a="http://schemas.openxmlformats.org/drawingml/2006/main" xmlns:r="http://schemas.openxmlformats.org/officeDocument/2006/relationships" xmlns:p="http://schemas.openxmlformats.org/presentationml/2006/main" type="obj" preserve="1">
   <p:cSld name="Title and Content">
@@ -1394,6 +3102,263 @@
     <p:extLst>
       <p:ext uri="{BB962C8B-B14F-4D97-AF65-F5344CB8AC3E}">
         <p14:creationId xmlns:p14="http://schemas.microsoft.com/office/powerpoint/2010/main" val="712364410"/>
+      </p:ext>
+    </p:extLst>
+  </p:cSld>
+  <p:clrMapOvr>
+    <a:masterClrMapping/>
+  </p:clrMapOvr>
+</p:sldLayout>
+</file>
+
+<file path=ppt/slideLayouts/slideLayout20.xml><?xml version="1.0" encoding="utf-8"?>
+<p:sldLayout xmlns:a="http://schemas.openxmlformats.org/drawingml/2006/main" xmlns:r="http://schemas.openxmlformats.org/officeDocument/2006/relationships" xmlns:p="http://schemas.openxmlformats.org/presentationml/2006/main" type="picTx" preserve="1">
+  <p:cSld name="Picture with Caption">
+    <p:spTree>
+      <p:nvGrpSpPr>
+        <p:cNvPr id="1" name=""/>
+        <p:cNvGrpSpPr/>
+        <p:nvPr/>
+      </p:nvGrpSpPr>
+      <p:grpSpPr>
+        <a:xfrm>
+          <a:off x="0" y="0"/>
+          <a:ext cx="0" cy="0"/>
+          <a:chOff x="0" y="0"/>
+          <a:chExt cx="0" cy="0"/>
+        </a:xfrm>
+      </p:grpSpPr>
+      <p:sp>
+        <p:nvSpPr>
+          <p:cNvPr id="2" name="Title 1"/>
+          <p:cNvSpPr>
+            <a:spLocks noGrp="1"/>
+          </p:cNvSpPr>
+          <p:nvPr>
+            <p:ph type="title"/>
+          </p:nvPr>
+        </p:nvSpPr>
+        <p:spPr>
+          <a:xfrm>
+            <a:off x="839788" y="457200"/>
+            <a:ext cx="3932237" cy="1600200"/>
+          </a:xfrm>
+        </p:spPr>
+        <p:txBody>
+          <a:bodyPr anchor="b"/>
+          <a:lstStyle>
+            <a:lvl1pPr>
+              <a:defRPr sz="3200"/>
+            </a:lvl1pPr>
+          </a:lstStyle>
+          <a:p>
+            <a:r>
+              <a:rPr lang="en-US"/>
+              <a:t>Click to edit Master title style</a:t>
+            </a:r>
+            <a:endParaRPr lang="en-GB"/>
+          </a:p>
+        </p:txBody>
+      </p:sp>
+      <p:sp>
+        <p:nvSpPr>
+          <p:cNvPr id="3" name="Picture Placeholder 2"/>
+          <p:cNvSpPr>
+            <a:spLocks noGrp="1"/>
+          </p:cNvSpPr>
+          <p:nvPr>
+            <p:ph type="pic" idx="1"/>
+          </p:nvPr>
+        </p:nvSpPr>
+        <p:spPr>
+          <a:xfrm>
+            <a:off x="5183188" y="987425"/>
+            <a:ext cx="6172200" cy="4873625"/>
+          </a:xfrm>
+        </p:spPr>
+        <p:txBody>
+          <a:bodyPr/>
+          <a:lstStyle>
+            <a:lvl1pPr marL="0" indent="0">
+              <a:buNone/>
+              <a:defRPr sz="3200"/>
+            </a:lvl1pPr>
+            <a:lvl2pPr marL="457200" indent="0">
+              <a:buNone/>
+              <a:defRPr sz="2800"/>
+            </a:lvl2pPr>
+            <a:lvl3pPr marL="914400" indent="0">
+              <a:buNone/>
+              <a:defRPr sz="2400"/>
+            </a:lvl3pPr>
+            <a:lvl4pPr marL="1371600" indent="0">
+              <a:buNone/>
+              <a:defRPr sz="2000"/>
+            </a:lvl4pPr>
+            <a:lvl5pPr marL="1828800" indent="0">
+              <a:buNone/>
+              <a:defRPr sz="2000"/>
+            </a:lvl5pPr>
+            <a:lvl6pPr marL="2286000" indent="0">
+              <a:buNone/>
+              <a:defRPr sz="2000"/>
+            </a:lvl6pPr>
+            <a:lvl7pPr marL="2743200" indent="0">
+              <a:buNone/>
+              <a:defRPr sz="2000"/>
+            </a:lvl7pPr>
+            <a:lvl8pPr marL="3200400" indent="0">
+              <a:buNone/>
+              <a:defRPr sz="2000"/>
+            </a:lvl8pPr>
+            <a:lvl9pPr marL="3657600" indent="0">
+              <a:buNone/>
+              <a:defRPr sz="2000"/>
+            </a:lvl9pPr>
+          </a:lstStyle>
+          <a:p>
+            <a:r>
+              <a:rPr lang="en-US"/>
+              <a:t>Click icon to add picture</a:t>
+            </a:r>
+            <a:endParaRPr lang="en-GB"/>
+          </a:p>
+        </p:txBody>
+      </p:sp>
+      <p:sp>
+        <p:nvSpPr>
+          <p:cNvPr id="4" name="Text Placeholder 3"/>
+          <p:cNvSpPr>
+            <a:spLocks noGrp="1"/>
+          </p:cNvSpPr>
+          <p:nvPr>
+            <p:ph type="body" sz="half" idx="2"/>
+          </p:nvPr>
+        </p:nvSpPr>
+        <p:spPr>
+          <a:xfrm>
+            <a:off x="839788" y="2057400"/>
+            <a:ext cx="3932237" cy="3811588"/>
+          </a:xfrm>
+        </p:spPr>
+        <p:txBody>
+          <a:bodyPr/>
+          <a:lstStyle>
+            <a:lvl1pPr marL="0" indent="0">
+              <a:buNone/>
+              <a:defRPr sz="1600"/>
+            </a:lvl1pPr>
+            <a:lvl2pPr marL="457200" indent="0">
+              <a:buNone/>
+              <a:defRPr sz="1400"/>
+            </a:lvl2pPr>
+            <a:lvl3pPr marL="914400" indent="0">
+              <a:buNone/>
+              <a:defRPr sz="1200"/>
+            </a:lvl3pPr>
+            <a:lvl4pPr marL="1371600" indent="0">
+              <a:buNone/>
+              <a:defRPr sz="1000"/>
+            </a:lvl4pPr>
+            <a:lvl5pPr marL="1828800" indent="0">
+              <a:buNone/>
+              <a:defRPr sz="1000"/>
+            </a:lvl5pPr>
+            <a:lvl6pPr marL="2286000" indent="0">
+              <a:buNone/>
+              <a:defRPr sz="1000"/>
+            </a:lvl6pPr>
+            <a:lvl7pPr marL="2743200" indent="0">
+              <a:buNone/>
+              <a:defRPr sz="1000"/>
+            </a:lvl7pPr>
+            <a:lvl8pPr marL="3200400" indent="0">
+              <a:buNone/>
+              <a:defRPr sz="1000"/>
+            </a:lvl8pPr>
+            <a:lvl9pPr marL="3657600" indent="0">
+              <a:buNone/>
+              <a:defRPr sz="1000"/>
+            </a:lvl9pPr>
+          </a:lstStyle>
+          <a:p>
+            <a:pPr lvl="0"/>
+            <a:r>
+              <a:rPr lang="en-US"/>
+              <a:t>Click to edit Master text styles</a:t>
+            </a:r>
+          </a:p>
+        </p:txBody>
+      </p:sp>
+      <p:sp>
+        <p:nvSpPr>
+          <p:cNvPr id="5" name="Date Placeholder 4"/>
+          <p:cNvSpPr>
+            <a:spLocks noGrp="1"/>
+          </p:cNvSpPr>
+          <p:nvPr>
+            <p:ph type="dt" sz="half" idx="10"/>
+          </p:nvPr>
+        </p:nvSpPr>
+        <p:spPr/>
+        <p:txBody>
+          <a:bodyPr/>
+          <a:lstStyle/>
+          <a:p>
+            <a:fld id="{C4B5ACA3-ACD3-4FCE-80A3-B817290AD515}" type="datetimeFigureOut">
+              <a:rPr lang="en-GB" smtClean="0"/>
+              <a:t>21/03/2022</a:t>
+            </a:fld>
+            <a:endParaRPr lang="en-GB"/>
+          </a:p>
+        </p:txBody>
+      </p:sp>
+      <p:sp>
+        <p:nvSpPr>
+          <p:cNvPr id="6" name="Footer Placeholder 5"/>
+          <p:cNvSpPr>
+            <a:spLocks noGrp="1"/>
+          </p:cNvSpPr>
+          <p:nvPr>
+            <p:ph type="ftr" sz="quarter" idx="11"/>
+          </p:nvPr>
+        </p:nvSpPr>
+        <p:spPr/>
+        <p:txBody>
+          <a:bodyPr/>
+          <a:lstStyle/>
+          <a:p>
+            <a:endParaRPr lang="en-GB"/>
+          </a:p>
+        </p:txBody>
+      </p:sp>
+      <p:sp>
+        <p:nvSpPr>
+          <p:cNvPr id="7" name="Slide Number Placeholder 6"/>
+          <p:cNvSpPr>
+            <a:spLocks noGrp="1"/>
+          </p:cNvSpPr>
+          <p:nvPr>
+            <p:ph type="sldNum" sz="quarter" idx="12"/>
+          </p:nvPr>
+        </p:nvSpPr>
+        <p:spPr/>
+        <p:txBody>
+          <a:bodyPr/>
+          <a:lstStyle/>
+          <a:p>
+            <a:fld id="{801AA3D1-5AAC-40E8-A27C-C7FCCD99ED97}" type="slidenum">
+              <a:rPr lang="en-GB" smtClean="0"/>
+              <a:t>‹#›</a:t>
+            </a:fld>
+            <a:endParaRPr lang="en-GB"/>
+          </a:p>
+        </p:txBody>
+      </p:sp>
+    </p:spTree>
+    <p:extLst>
+      <p:ext uri="{BB962C8B-B14F-4D97-AF65-F5344CB8AC3E}">
+        <p14:creationId xmlns:p14="http://schemas.microsoft.com/office/powerpoint/2010/main" val="2399599479"/>
       </p:ext>
     </p:extLst>
   </p:cSld>
@@ -3869,6 +5834,679 @@
 </p:sldMaster>
 </file>
 
+<file path=ppt/slideMasters/slideMaster2.xml><?xml version="1.0" encoding="utf-8"?>
+<p:sldMaster xmlns:a="http://schemas.openxmlformats.org/drawingml/2006/main" xmlns:r="http://schemas.openxmlformats.org/officeDocument/2006/relationships" xmlns:p="http://schemas.openxmlformats.org/presentationml/2006/main" preserve="1">
+  <p:cSld>
+    <p:bg>
+      <p:bgPr>
+        <a:solidFill>
+          <a:srgbClr val="1F9083"/>
+        </a:solidFill>
+        <a:effectLst/>
+      </p:bgPr>
+    </p:bg>
+    <p:spTree>
+      <p:nvGrpSpPr>
+        <p:cNvPr id="1" name=""/>
+        <p:cNvGrpSpPr/>
+        <p:nvPr/>
+      </p:nvGrpSpPr>
+      <p:grpSpPr>
+        <a:xfrm>
+          <a:off x="0" y="0"/>
+          <a:ext cx="0" cy="0"/>
+          <a:chOff x="0" y="0"/>
+          <a:chExt cx="0" cy="0"/>
+        </a:xfrm>
+      </p:grpSpPr>
+      <p:sp>
+        <p:nvSpPr>
+          <p:cNvPr id="2" name="Title Placeholder 1"/>
+          <p:cNvSpPr>
+            <a:spLocks noGrp="1"/>
+          </p:cNvSpPr>
+          <p:nvPr>
+            <p:ph type="title"/>
+          </p:nvPr>
+        </p:nvSpPr>
+        <p:spPr>
+          <a:xfrm>
+            <a:off x="838200" y="365125"/>
+            <a:ext cx="10515600" cy="1325563"/>
+          </a:xfrm>
+          <a:prstGeom prst="rect">
+            <a:avLst/>
+          </a:prstGeom>
+        </p:spPr>
+        <p:txBody>
+          <a:bodyPr vert="horz" lIns="91440" tIns="45720" rIns="91440" bIns="45720" rtlCol="0" anchor="ctr">
+            <a:normAutofit/>
+          </a:bodyPr>
+          <a:lstStyle/>
+          <a:p>
+            <a:r>
+              <a:rPr lang="en-US"/>
+              <a:t>Click to edit Master title style</a:t>
+            </a:r>
+            <a:endParaRPr lang="en-GB"/>
+          </a:p>
+        </p:txBody>
+      </p:sp>
+      <p:sp>
+        <p:nvSpPr>
+          <p:cNvPr id="3" name="Text Placeholder 2"/>
+          <p:cNvSpPr>
+            <a:spLocks noGrp="1"/>
+          </p:cNvSpPr>
+          <p:nvPr>
+            <p:ph type="body" idx="1"/>
+          </p:nvPr>
+        </p:nvSpPr>
+        <p:spPr>
+          <a:xfrm>
+            <a:off x="838200" y="1825625"/>
+            <a:ext cx="10515600" cy="4351338"/>
+          </a:xfrm>
+          <a:prstGeom prst="rect">
+            <a:avLst/>
+          </a:prstGeom>
+        </p:spPr>
+        <p:txBody>
+          <a:bodyPr vert="horz" lIns="91440" tIns="45720" rIns="91440" bIns="45720" rtlCol="0">
+            <a:normAutofit/>
+          </a:bodyPr>
+          <a:lstStyle/>
+          <a:p>
+            <a:pPr lvl="0"/>
+            <a:r>
+              <a:rPr lang="en-US"/>
+              <a:t>Click to edit Master text styles</a:t>
+            </a:r>
+          </a:p>
+          <a:p>
+            <a:pPr lvl="1"/>
+            <a:r>
+              <a:rPr lang="en-US"/>
+              <a:t>Second level</a:t>
+            </a:r>
+          </a:p>
+          <a:p>
+            <a:pPr lvl="2"/>
+            <a:r>
+              <a:rPr lang="en-US"/>
+              <a:t>Third level</a:t>
+            </a:r>
+          </a:p>
+          <a:p>
+            <a:pPr lvl="3"/>
+            <a:r>
+              <a:rPr lang="en-US"/>
+              <a:t>Fourth level</a:t>
+            </a:r>
+          </a:p>
+          <a:p>
+            <a:pPr lvl="4"/>
+            <a:r>
+              <a:rPr lang="en-US"/>
+              <a:t>Fifth level</a:t>
+            </a:r>
+            <a:endParaRPr lang="en-GB"/>
+          </a:p>
+        </p:txBody>
+      </p:sp>
+      <p:sp>
+        <p:nvSpPr>
+          <p:cNvPr id="4" name="Date Placeholder 3"/>
+          <p:cNvSpPr>
+            <a:spLocks noGrp="1"/>
+          </p:cNvSpPr>
+          <p:nvPr>
+            <p:ph type="dt" sz="half" idx="2"/>
+          </p:nvPr>
+        </p:nvSpPr>
+        <p:spPr>
+          <a:xfrm>
+            <a:off x="838200" y="6356350"/>
+            <a:ext cx="2743200" cy="365125"/>
+          </a:xfrm>
+          <a:prstGeom prst="rect">
+            <a:avLst/>
+          </a:prstGeom>
+        </p:spPr>
+        <p:txBody>
+          <a:bodyPr vert="horz" lIns="91440" tIns="45720" rIns="91440" bIns="45720" rtlCol="0" anchor="ctr"/>
+          <a:lstStyle>
+            <a:lvl1pPr algn="l">
+              <a:defRPr sz="1200">
+                <a:solidFill>
+                  <a:schemeClr val="bg1"/>
+                </a:solidFill>
+              </a:defRPr>
+            </a:lvl1pPr>
+          </a:lstStyle>
+          <a:p>
+            <a:fld id="{C4B5ACA3-ACD3-4FCE-80A3-B817290AD515}" type="datetimeFigureOut">
+              <a:rPr lang="en-GB" smtClean="0"/>
+              <a:pPr/>
+              <a:t>21/03/2022</a:t>
+            </a:fld>
+            <a:endParaRPr lang="en-GB"/>
+          </a:p>
+        </p:txBody>
+      </p:sp>
+      <p:sp>
+        <p:nvSpPr>
+          <p:cNvPr id="5" name="Footer Placeholder 4"/>
+          <p:cNvSpPr>
+            <a:spLocks noGrp="1"/>
+          </p:cNvSpPr>
+          <p:nvPr>
+            <p:ph type="ftr" sz="quarter" idx="3"/>
+          </p:nvPr>
+        </p:nvSpPr>
+        <p:spPr>
+          <a:xfrm>
+            <a:off x="4038600" y="6356350"/>
+            <a:ext cx="4114800" cy="365125"/>
+          </a:xfrm>
+          <a:prstGeom prst="rect">
+            <a:avLst/>
+          </a:prstGeom>
+        </p:spPr>
+        <p:txBody>
+          <a:bodyPr vert="horz" lIns="91440" tIns="45720" rIns="91440" bIns="45720" rtlCol="0" anchor="ctr"/>
+          <a:lstStyle>
+            <a:lvl1pPr algn="ctr">
+              <a:defRPr sz="1200">
+                <a:solidFill>
+                  <a:schemeClr val="bg1"/>
+                </a:solidFill>
+              </a:defRPr>
+            </a:lvl1pPr>
+          </a:lstStyle>
+          <a:p>
+            <a:endParaRPr lang="en-GB"/>
+          </a:p>
+        </p:txBody>
+      </p:sp>
+      <p:sp>
+        <p:nvSpPr>
+          <p:cNvPr id="6" name="Slide Number Placeholder 5"/>
+          <p:cNvSpPr>
+            <a:spLocks noGrp="1"/>
+          </p:cNvSpPr>
+          <p:nvPr>
+            <p:ph type="sldNum" sz="quarter" idx="4"/>
+          </p:nvPr>
+        </p:nvSpPr>
+        <p:spPr>
+          <a:xfrm>
+            <a:off x="8610600" y="6356350"/>
+            <a:ext cx="2743200" cy="365125"/>
+          </a:xfrm>
+          <a:prstGeom prst="rect">
+            <a:avLst/>
+          </a:prstGeom>
+        </p:spPr>
+        <p:txBody>
+          <a:bodyPr vert="horz" lIns="91440" tIns="45720" rIns="91440" bIns="45720" rtlCol="0" anchor="ctr"/>
+          <a:lstStyle>
+            <a:lvl1pPr algn="r">
+              <a:defRPr sz="1600">
+                <a:solidFill>
+                  <a:schemeClr val="bg1"/>
+                </a:solidFill>
+                <a:latin typeface="Poppins Medium" panose="00000600000000000000" pitchFamily="2" charset="0"/>
+                <a:cs typeface="Poppins Medium" panose="00000600000000000000" pitchFamily="2" charset="0"/>
+              </a:defRPr>
+            </a:lvl1pPr>
+          </a:lstStyle>
+          <a:p>
+            <a:fld id="{801AA3D1-5AAC-40E8-A27C-C7FCCD99ED97}" type="slidenum">
+              <a:rPr lang="en-GB" smtClean="0"/>
+              <a:pPr/>
+              <a:t>‹#›</a:t>
+            </a:fld>
+            <a:endParaRPr lang="en-GB"/>
+          </a:p>
+        </p:txBody>
+      </p:sp>
+      <p:grpSp>
+        <p:nvGrpSpPr>
+          <p:cNvPr id="11" name="Group 10"/>
+          <p:cNvGrpSpPr/>
+          <p:nvPr userDrawn="1"/>
+        </p:nvGrpSpPr>
+        <p:grpSpPr>
+          <a:xfrm>
+            <a:off x="277351" y="5960657"/>
+            <a:ext cx="5034192" cy="648000"/>
+            <a:chOff x="277351" y="5960657"/>
+            <a:chExt cx="5034192" cy="648000"/>
+          </a:xfrm>
+        </p:grpSpPr>
+        <p:grpSp>
+          <p:nvGrpSpPr>
+            <p:cNvPr id="12" name="Group 11"/>
+            <p:cNvGrpSpPr/>
+            <p:nvPr userDrawn="1"/>
+          </p:nvGrpSpPr>
+          <p:grpSpPr>
+            <a:xfrm>
+              <a:off x="277351" y="5960657"/>
+              <a:ext cx="2703867" cy="648000"/>
+              <a:chOff x="248776" y="5987900"/>
+              <a:chExt cx="2703867" cy="648000"/>
+            </a:xfrm>
+          </p:grpSpPr>
+          <p:pic>
+            <p:nvPicPr>
+              <p:cNvPr id="14" name="Picture 13"/>
+              <p:cNvPicPr>
+                <a:picLocks noChangeAspect="1"/>
+              </p:cNvPicPr>
+              <p:nvPr userDrawn="1"/>
+            </p:nvPicPr>
+            <p:blipFill rotWithShape="1">
+              <a:blip r:embed="rId11" cstate="print">
+                <a:extLst>
+                  <a:ext uri="{28A0092B-C50C-407E-A947-70E740481C1C}">
+                    <a14:useLocalDpi xmlns:a14="http://schemas.microsoft.com/office/drawing/2010/main" val="0"/>
+                  </a:ext>
+                </a:extLst>
+              </a:blip>
+              <a:srcRect r="19094"/>
+              <a:stretch/>
+            </p:blipFill>
+            <p:spPr>
+              <a:xfrm>
+                <a:off x="248776" y="5987900"/>
+                <a:ext cx="2137237" cy="648000"/>
+              </a:xfrm>
+              <a:prstGeom prst="rect">
+                <a:avLst/>
+              </a:prstGeom>
+            </p:spPr>
+          </p:pic>
+          <p:pic>
+            <p:nvPicPr>
+              <p:cNvPr id="19" name="Picture 18"/>
+              <p:cNvPicPr>
+                <a:picLocks noChangeAspect="1"/>
+              </p:cNvPicPr>
+              <p:nvPr userDrawn="1"/>
+            </p:nvPicPr>
+            <p:blipFill>
+              <a:blip r:embed="rId12" cstate="print">
+                <a:extLst>
+                  <a:ext uri="{28A0092B-C50C-407E-A947-70E740481C1C}">
+                    <a14:useLocalDpi xmlns:a14="http://schemas.microsoft.com/office/drawing/2010/main" val="0"/>
+                  </a:ext>
+                </a:extLst>
+              </a:blip>
+              <a:stretch>
+                <a:fillRect/>
+              </a:stretch>
+            </p:blipFill>
+            <p:spPr>
+              <a:xfrm>
+                <a:off x="2524862" y="5987900"/>
+                <a:ext cx="427781" cy="648000"/>
+              </a:xfrm>
+              <a:prstGeom prst="rect">
+                <a:avLst/>
+              </a:prstGeom>
+            </p:spPr>
+          </p:pic>
+        </p:grpSp>
+        <p:pic>
+          <p:nvPicPr>
+            <p:cNvPr id="13" name="Picture 12"/>
+            <p:cNvPicPr>
+              <a:picLocks noChangeAspect="1"/>
+            </p:cNvPicPr>
+            <p:nvPr userDrawn="1"/>
+          </p:nvPicPr>
+          <p:blipFill>
+            <a:blip r:embed="rId13" cstate="print">
+              <a:extLst>
+                <a:ext uri="{28A0092B-C50C-407E-A947-70E740481C1C}">
+                  <a14:useLocalDpi xmlns:a14="http://schemas.microsoft.com/office/drawing/2010/main" val="0"/>
+                </a:ext>
+              </a:extLst>
+            </a:blip>
+            <a:stretch>
+              <a:fillRect/>
+            </a:stretch>
+          </p:blipFill>
+          <p:spPr>
+            <a:xfrm>
+              <a:off x="3381630" y="5960657"/>
+              <a:ext cx="1929913" cy="648000"/>
+            </a:xfrm>
+            <a:prstGeom prst="rect">
+              <a:avLst/>
+            </a:prstGeom>
+          </p:spPr>
+        </p:pic>
+      </p:grpSp>
+    </p:spTree>
+    <p:extLst>
+      <p:ext uri="{BB962C8B-B14F-4D97-AF65-F5344CB8AC3E}">
+        <p14:creationId xmlns:p14="http://schemas.microsoft.com/office/powerpoint/2010/main" val="3209593493"/>
+      </p:ext>
+    </p:extLst>
+  </p:cSld>
+  <p:clrMap bg1="lt1" tx1="dk1" bg2="lt2" tx2="dk2" accent1="accent1" accent2="accent2" accent3="accent3" accent4="accent4" accent5="accent5" accent6="accent6" hlink="hlink" folHlink="folHlink"/>
+  <p:sldLayoutIdLst>
+    <p:sldLayoutId id="2147483661" r:id="rId1"/>
+    <p:sldLayoutId id="2147483662" r:id="rId2"/>
+    <p:sldLayoutId id="2147483663" r:id="rId3"/>
+    <p:sldLayoutId id="2147483664" r:id="rId4"/>
+    <p:sldLayoutId id="2147483665" r:id="rId5"/>
+    <p:sldLayoutId id="2147483666" r:id="rId6"/>
+    <p:sldLayoutId id="2147483667" r:id="rId7"/>
+    <p:sldLayoutId id="2147483668" r:id="rId8"/>
+    <p:sldLayoutId id="2147483669" r:id="rId9"/>
+  </p:sldLayoutIdLst>
+  <p:txStyles>
+    <p:titleStyle>
+      <a:lvl1pPr algn="l" defTabSz="914400" rtl="0" eaLnBrk="1" latinLnBrk="0" hangingPunct="1">
+        <a:lnSpc>
+          <a:spcPct val="90000"/>
+        </a:lnSpc>
+        <a:spcBef>
+          <a:spcPct val="0"/>
+        </a:spcBef>
+        <a:buNone/>
+        <a:defRPr sz="4800" b="0" kern="1200">
+          <a:solidFill>
+            <a:schemeClr val="bg1"/>
+          </a:solidFill>
+          <a:latin typeface="Poppins Medium" panose="00000600000000000000" pitchFamily="2" charset="0"/>
+          <a:ea typeface="+mj-ea"/>
+          <a:cs typeface="Poppins Medium" panose="00000600000000000000" pitchFamily="2" charset="0"/>
+        </a:defRPr>
+      </a:lvl1pPr>
+    </p:titleStyle>
+    <p:bodyStyle>
+      <a:lvl1pPr marL="228600" indent="-228600" algn="l" defTabSz="914400" rtl="0" eaLnBrk="1" latinLnBrk="0" hangingPunct="1">
+        <a:lnSpc>
+          <a:spcPct val="90000"/>
+        </a:lnSpc>
+        <a:spcBef>
+          <a:spcPts val="0"/>
+        </a:spcBef>
+        <a:spcAft>
+          <a:spcPts val="1800"/>
+        </a:spcAft>
+        <a:buFont typeface="Arial" panose="020B0604020202020204" pitchFamily="34" charset="0"/>
+        <a:buChar char="•"/>
+        <a:defRPr sz="3200" kern="1200">
+          <a:solidFill>
+            <a:schemeClr val="bg1"/>
+          </a:solidFill>
+          <a:latin typeface="Poppins" panose="00000500000000000000" pitchFamily="2" charset="0"/>
+          <a:ea typeface="+mn-ea"/>
+          <a:cs typeface="Poppins" panose="00000500000000000000" pitchFamily="2" charset="0"/>
+        </a:defRPr>
+      </a:lvl1pPr>
+      <a:lvl2pPr marL="685800" indent="-228600" algn="l" defTabSz="914400" rtl="0" eaLnBrk="1" latinLnBrk="0" hangingPunct="1">
+        <a:lnSpc>
+          <a:spcPct val="90000"/>
+        </a:lnSpc>
+        <a:spcBef>
+          <a:spcPts val="0"/>
+        </a:spcBef>
+        <a:spcAft>
+          <a:spcPts val="1800"/>
+        </a:spcAft>
+        <a:buFont typeface="Arial" panose="020B0604020202020204" pitchFamily="34" charset="0"/>
+        <a:buChar char="•"/>
+        <a:defRPr sz="2800" kern="1200">
+          <a:solidFill>
+            <a:schemeClr val="bg1"/>
+          </a:solidFill>
+          <a:latin typeface="Poppins" panose="00000500000000000000" pitchFamily="2" charset="0"/>
+          <a:ea typeface="+mn-ea"/>
+          <a:cs typeface="Poppins" panose="00000500000000000000" pitchFamily="2" charset="0"/>
+        </a:defRPr>
+      </a:lvl2pPr>
+      <a:lvl3pPr marL="1143000" indent="-228600" algn="l" defTabSz="914400" rtl="0" eaLnBrk="1" latinLnBrk="0" hangingPunct="1">
+        <a:lnSpc>
+          <a:spcPct val="90000"/>
+        </a:lnSpc>
+        <a:spcBef>
+          <a:spcPts val="0"/>
+        </a:spcBef>
+        <a:spcAft>
+          <a:spcPts val="1800"/>
+        </a:spcAft>
+        <a:buFont typeface="Arial" panose="020B0604020202020204" pitchFamily="34" charset="0"/>
+        <a:buChar char="•"/>
+        <a:defRPr sz="2400" kern="1200">
+          <a:solidFill>
+            <a:schemeClr val="bg1"/>
+          </a:solidFill>
+          <a:latin typeface="Poppins" panose="00000500000000000000" pitchFamily="2" charset="0"/>
+          <a:ea typeface="+mn-ea"/>
+          <a:cs typeface="Poppins" panose="00000500000000000000" pitchFamily="2" charset="0"/>
+        </a:defRPr>
+      </a:lvl3pPr>
+      <a:lvl4pPr marL="1600200" indent="-228600" algn="l" defTabSz="914400" rtl="0" eaLnBrk="1" latinLnBrk="0" hangingPunct="1">
+        <a:lnSpc>
+          <a:spcPct val="90000"/>
+        </a:lnSpc>
+        <a:spcBef>
+          <a:spcPts val="0"/>
+        </a:spcBef>
+        <a:spcAft>
+          <a:spcPts val="1800"/>
+        </a:spcAft>
+        <a:buFont typeface="Arial" panose="020B0604020202020204" pitchFamily="34" charset="0"/>
+        <a:buChar char="•"/>
+        <a:defRPr sz="2000" kern="1200">
+          <a:solidFill>
+            <a:schemeClr val="bg1"/>
+          </a:solidFill>
+          <a:latin typeface="Poppins" panose="00000500000000000000" pitchFamily="2" charset="0"/>
+          <a:ea typeface="+mn-ea"/>
+          <a:cs typeface="Poppins" panose="00000500000000000000" pitchFamily="2" charset="0"/>
+        </a:defRPr>
+      </a:lvl4pPr>
+      <a:lvl5pPr marL="2057400" indent="-228600" algn="l" defTabSz="914400" rtl="0" eaLnBrk="1" latinLnBrk="0" hangingPunct="1">
+        <a:lnSpc>
+          <a:spcPct val="90000"/>
+        </a:lnSpc>
+        <a:spcBef>
+          <a:spcPts val="0"/>
+        </a:spcBef>
+        <a:spcAft>
+          <a:spcPts val="1800"/>
+        </a:spcAft>
+        <a:buFont typeface="Arial" panose="020B0604020202020204" pitchFamily="34" charset="0"/>
+        <a:buChar char="•"/>
+        <a:defRPr sz="2000" kern="1200">
+          <a:solidFill>
+            <a:schemeClr val="bg1"/>
+          </a:solidFill>
+          <a:latin typeface="Poppins" panose="00000500000000000000" pitchFamily="2" charset="0"/>
+          <a:ea typeface="+mn-ea"/>
+          <a:cs typeface="Poppins" panose="00000500000000000000" pitchFamily="2" charset="0"/>
+        </a:defRPr>
+      </a:lvl5pPr>
+      <a:lvl6pPr marL="2514600" indent="-228600" algn="l" defTabSz="914400" rtl="0" eaLnBrk="1" latinLnBrk="0" hangingPunct="1">
+        <a:lnSpc>
+          <a:spcPct val="90000"/>
+        </a:lnSpc>
+        <a:spcBef>
+          <a:spcPts val="500"/>
+        </a:spcBef>
+        <a:buFont typeface="Arial" panose="020B0604020202020204" pitchFamily="34" charset="0"/>
+        <a:buChar char="•"/>
+        <a:defRPr sz="1800" kern="1200">
+          <a:solidFill>
+            <a:schemeClr val="tx1"/>
+          </a:solidFill>
+          <a:latin typeface="+mn-lt"/>
+          <a:ea typeface="+mn-ea"/>
+          <a:cs typeface="+mn-cs"/>
+        </a:defRPr>
+      </a:lvl6pPr>
+      <a:lvl7pPr marL="2971800" indent="-228600" algn="l" defTabSz="914400" rtl="0" eaLnBrk="1" latinLnBrk="0" hangingPunct="1">
+        <a:lnSpc>
+          <a:spcPct val="90000"/>
+        </a:lnSpc>
+        <a:spcBef>
+          <a:spcPts val="500"/>
+        </a:spcBef>
+        <a:buFont typeface="Arial" panose="020B0604020202020204" pitchFamily="34" charset="0"/>
+        <a:buChar char="•"/>
+        <a:defRPr sz="1800" kern="1200">
+          <a:solidFill>
+            <a:schemeClr val="tx1"/>
+          </a:solidFill>
+          <a:latin typeface="+mn-lt"/>
+          <a:ea typeface="+mn-ea"/>
+          <a:cs typeface="+mn-cs"/>
+        </a:defRPr>
+      </a:lvl7pPr>
+      <a:lvl8pPr marL="3429000" indent="-228600" algn="l" defTabSz="914400" rtl="0" eaLnBrk="1" latinLnBrk="0" hangingPunct="1">
+        <a:lnSpc>
+          <a:spcPct val="90000"/>
+        </a:lnSpc>
+        <a:spcBef>
+          <a:spcPts val="500"/>
+        </a:spcBef>
+        <a:buFont typeface="Arial" panose="020B0604020202020204" pitchFamily="34" charset="0"/>
+        <a:buChar char="•"/>
+        <a:defRPr sz="1800" kern="1200">
+          <a:solidFill>
+            <a:schemeClr val="tx1"/>
+          </a:solidFill>
+          <a:latin typeface="+mn-lt"/>
+          <a:ea typeface="+mn-ea"/>
+          <a:cs typeface="+mn-cs"/>
+        </a:defRPr>
+      </a:lvl8pPr>
+      <a:lvl9pPr marL="3886200" indent="-228600" algn="l" defTabSz="914400" rtl="0" eaLnBrk="1" latinLnBrk="0" hangingPunct="1">
+        <a:lnSpc>
+          <a:spcPct val="90000"/>
+        </a:lnSpc>
+        <a:spcBef>
+          <a:spcPts val="500"/>
+        </a:spcBef>
+        <a:buFont typeface="Arial" panose="020B0604020202020204" pitchFamily="34" charset="0"/>
+        <a:buChar char="•"/>
+        <a:defRPr sz="1800" kern="1200">
+          <a:solidFill>
+            <a:schemeClr val="tx1"/>
+          </a:solidFill>
+          <a:latin typeface="+mn-lt"/>
+          <a:ea typeface="+mn-ea"/>
+          <a:cs typeface="+mn-cs"/>
+        </a:defRPr>
+      </a:lvl9pPr>
+    </p:bodyStyle>
+    <p:otherStyle>
+      <a:defPPr>
+        <a:defRPr lang="en-US"/>
+      </a:defPPr>
+      <a:lvl1pPr marL="0" algn="l" defTabSz="914400" rtl="0" eaLnBrk="1" latinLnBrk="0" hangingPunct="1">
+        <a:defRPr sz="1800" kern="1200">
+          <a:solidFill>
+            <a:schemeClr val="tx1"/>
+          </a:solidFill>
+          <a:latin typeface="+mn-lt"/>
+          <a:ea typeface="+mn-ea"/>
+          <a:cs typeface="+mn-cs"/>
+        </a:defRPr>
+      </a:lvl1pPr>
+      <a:lvl2pPr marL="457200" algn="l" defTabSz="914400" rtl="0" eaLnBrk="1" latinLnBrk="0" hangingPunct="1">
+        <a:defRPr sz="1800" kern="1200">
+          <a:solidFill>
+            <a:schemeClr val="tx1"/>
+          </a:solidFill>
+          <a:latin typeface="+mn-lt"/>
+          <a:ea typeface="+mn-ea"/>
+          <a:cs typeface="+mn-cs"/>
+        </a:defRPr>
+      </a:lvl2pPr>
+      <a:lvl3pPr marL="914400" algn="l" defTabSz="914400" rtl="0" eaLnBrk="1" latinLnBrk="0" hangingPunct="1">
+        <a:defRPr sz="1800" kern="1200">
+          <a:solidFill>
+            <a:schemeClr val="tx1"/>
+          </a:solidFill>
+          <a:latin typeface="+mn-lt"/>
+          <a:ea typeface="+mn-ea"/>
+          <a:cs typeface="+mn-cs"/>
+        </a:defRPr>
+      </a:lvl3pPr>
+      <a:lvl4pPr marL="1371600" algn="l" defTabSz="914400" rtl="0" eaLnBrk="1" latinLnBrk="0" hangingPunct="1">
+        <a:defRPr sz="1800" kern="1200">
+          <a:solidFill>
+            <a:schemeClr val="tx1"/>
+          </a:solidFill>
+          <a:latin typeface="+mn-lt"/>
+          <a:ea typeface="+mn-ea"/>
+          <a:cs typeface="+mn-cs"/>
+        </a:defRPr>
+      </a:lvl4pPr>
+      <a:lvl5pPr marL="1828800" algn="l" defTabSz="914400" rtl="0" eaLnBrk="1" latinLnBrk="0" hangingPunct="1">
+        <a:defRPr sz="1800" kern="1200">
+          <a:solidFill>
+            <a:schemeClr val="tx1"/>
+          </a:solidFill>
+          <a:latin typeface="+mn-lt"/>
+          <a:ea typeface="+mn-ea"/>
+          <a:cs typeface="+mn-cs"/>
+        </a:defRPr>
+      </a:lvl5pPr>
+      <a:lvl6pPr marL="2286000" algn="l" defTabSz="914400" rtl="0" eaLnBrk="1" latinLnBrk="0" hangingPunct="1">
+        <a:defRPr sz="1800" kern="1200">
+          <a:solidFill>
+            <a:schemeClr val="tx1"/>
+          </a:solidFill>
+          <a:latin typeface="+mn-lt"/>
+          <a:ea typeface="+mn-ea"/>
+          <a:cs typeface="+mn-cs"/>
+        </a:defRPr>
+      </a:lvl6pPr>
+      <a:lvl7pPr marL="2743200" algn="l" defTabSz="914400" rtl="0" eaLnBrk="1" latinLnBrk="0" hangingPunct="1">
+        <a:defRPr sz="1800" kern="1200">
+          <a:solidFill>
+            <a:schemeClr val="tx1"/>
+          </a:solidFill>
+          <a:latin typeface="+mn-lt"/>
+          <a:ea typeface="+mn-ea"/>
+          <a:cs typeface="+mn-cs"/>
+        </a:defRPr>
+      </a:lvl7pPr>
+      <a:lvl8pPr marL="3200400" algn="l" defTabSz="914400" rtl="0" eaLnBrk="1" latinLnBrk="0" hangingPunct="1">
+        <a:defRPr sz="1800" kern="1200">
+          <a:solidFill>
+            <a:schemeClr val="tx1"/>
+          </a:solidFill>
+          <a:latin typeface="+mn-lt"/>
+          <a:ea typeface="+mn-ea"/>
+          <a:cs typeface="+mn-cs"/>
+        </a:defRPr>
+      </a:lvl8pPr>
+      <a:lvl9pPr marL="3657600" algn="l" defTabSz="914400" rtl="0" eaLnBrk="1" latinLnBrk="0" hangingPunct="1">
+        <a:defRPr sz="1800" kern="1200">
+          <a:solidFill>
+            <a:schemeClr val="tx1"/>
+          </a:solidFill>
+          <a:latin typeface="+mn-lt"/>
+          <a:ea typeface="+mn-ea"/>
+          <a:cs typeface="+mn-cs"/>
+        </a:defRPr>
+      </a:lvl9pPr>
+    </p:otherStyle>
+  </p:txStyles>
+</p:sldMaster>
+</file>
+
 <file path=ppt/slides/slide1.xml><?xml version="1.0" encoding="utf-8"?>
 <p:sld xmlns:a="http://schemas.openxmlformats.org/drawingml/2006/main" xmlns:r="http://schemas.openxmlformats.org/officeDocument/2006/relationships" xmlns:p="http://schemas.openxmlformats.org/presentationml/2006/main">
   <p:cSld>
@@ -3960,6 +6598,132 @@
 </file>
 
 <file path=ppt/slides/slide10.xml><?xml version="1.0" encoding="utf-8"?>
+<p:sld xmlns:a="http://schemas.openxmlformats.org/drawingml/2006/main" xmlns:r="http://schemas.openxmlformats.org/officeDocument/2006/relationships" xmlns:p="http://schemas.openxmlformats.org/presentationml/2006/main">
+  <p:cSld>
+    <p:spTree>
+      <p:nvGrpSpPr>
+        <p:cNvPr id="1" name=""/>
+        <p:cNvGrpSpPr/>
+        <p:nvPr/>
+      </p:nvGrpSpPr>
+      <p:grpSpPr>
+        <a:xfrm>
+          <a:off x="0" y="0"/>
+          <a:ext cx="0" cy="0"/>
+          <a:chOff x="0" y="0"/>
+          <a:chExt cx="0" cy="0"/>
+        </a:xfrm>
+      </p:grpSpPr>
+      <p:sp>
+        <p:nvSpPr>
+          <p:cNvPr id="2" name="Title 1">
+            <a:extLst>
+              <a:ext uri="{FF2B5EF4-FFF2-40B4-BE49-F238E27FC236}">
+                <a16:creationId xmlns:a16="http://schemas.microsoft.com/office/drawing/2014/main" id="{4CC3CDDE-E0D3-F444-8FE1-4B1130CC087F}"/>
+              </a:ext>
+            </a:extLst>
+          </p:cNvPr>
+          <p:cNvSpPr>
+            <a:spLocks noGrp="1"/>
+          </p:cNvSpPr>
+          <p:nvPr>
+            <p:ph type="title"/>
+          </p:nvPr>
+        </p:nvSpPr>
+        <p:spPr/>
+        <p:txBody>
+          <a:bodyPr/>
+          <a:lstStyle/>
+          <a:p>
+            <a:r>
+              <a:rPr lang="en-US" dirty="0"/>
+              <a:t>Source Code</a:t>
+            </a:r>
+          </a:p>
+        </p:txBody>
+      </p:sp>
+      <p:sp>
+        <p:nvSpPr>
+          <p:cNvPr id="3" name="Content Placeholder 2">
+            <a:extLst>
+              <a:ext uri="{FF2B5EF4-FFF2-40B4-BE49-F238E27FC236}">
+                <a16:creationId xmlns:a16="http://schemas.microsoft.com/office/drawing/2014/main" id="{5BE0A691-01F5-914D-9CEE-A9145CC2BFBC}"/>
+              </a:ext>
+            </a:extLst>
+          </p:cNvPr>
+          <p:cNvSpPr>
+            <a:spLocks noGrp="1"/>
+          </p:cNvSpPr>
+          <p:nvPr>
+            <p:ph idx="1"/>
+          </p:nvPr>
+        </p:nvSpPr>
+        <p:spPr/>
+        <p:txBody>
+          <a:bodyPr/>
+          <a:lstStyle/>
+          <a:p>
+            <a:pPr marL="0" indent="0">
+              <a:buNone/>
+            </a:pPr>
+            <a:r>
+              <a:rPr lang="en-US" dirty="0"/>
+              <a:t>The examples and a short description of method referencing can be found at:</a:t>
+            </a:r>
+          </a:p>
+          <a:p>
+            <a:pPr marL="0" indent="0">
+              <a:buNone/>
+            </a:pPr>
+            <a:endParaRPr lang="en-US" dirty="0"/>
+          </a:p>
+          <a:p>
+            <a:pPr marL="0" indent="0">
+              <a:buNone/>
+            </a:pPr>
+            <a:r>
+              <a:rPr lang="en-US" dirty="0"/>
+              <a:t>	</a:t>
+            </a:r>
+            <a:r>
+              <a:rPr lang="en-US" dirty="0">
+                <a:hlinkClick r:id="rId2"/>
+              </a:rPr>
+              <a:t>https://github.com/jakedves/PAL-Threading-Java</a:t>
+            </a:r>
+            <a:r>
+              <a:rPr lang="en-US" dirty="0"/>
+              <a:t> </a:t>
+            </a:r>
+          </a:p>
+          <a:p>
+            <a:pPr marL="0" indent="0">
+              <a:buNone/>
+            </a:pPr>
+            <a:endParaRPr lang="en-US" dirty="0"/>
+          </a:p>
+          <a:p>
+            <a:pPr marL="0" indent="0">
+              <a:buNone/>
+            </a:pPr>
+            <a:endParaRPr lang="en-US" dirty="0"/>
+          </a:p>
+        </p:txBody>
+      </p:sp>
+    </p:spTree>
+    <p:extLst>
+      <p:ext uri="{BB962C8B-B14F-4D97-AF65-F5344CB8AC3E}">
+        <p14:creationId xmlns:p14="http://schemas.microsoft.com/office/powerpoint/2010/main" val="2748948622"/>
+      </p:ext>
+    </p:extLst>
+  </p:cSld>
+  <p:clrMapOvr>
+    <a:masterClrMapping/>
+  </p:clrMapOvr>
+</p:sld>
+</file>
+
+<file path=ppt/slides/slide11.xml><?xml version="1.0" encoding="utf-8"?>
 <p:sld xmlns:a="http://schemas.openxmlformats.org/drawingml/2006/main" xmlns:r="http://schemas.openxmlformats.org/officeDocument/2006/relationships" xmlns:p="http://schemas.openxmlformats.org/presentationml/2006/main">
   <p:cSld>
     <p:spTree>
@@ -4272,7 +7036,7 @@
 </p:sld>
 </file>
 
-<file path=ppt/slides/slide11.xml><?xml version="1.0" encoding="utf-8"?>
+<file path=ppt/slides/slide12.xml><?xml version="1.0" encoding="utf-8"?>
 <p:sld xmlns:a="http://schemas.openxmlformats.org/drawingml/2006/main" xmlns:r="http://schemas.openxmlformats.org/officeDocument/2006/relationships" xmlns:p="http://schemas.openxmlformats.org/presentationml/2006/main">
   <p:cSld>
     <p:spTree>
@@ -4523,7 +7287,7 @@
 </p:sld>
 </file>
 
-<file path=ppt/slides/slide12.xml><?xml version="1.0" encoding="utf-8"?>
+<file path=ppt/slides/slide13.xml><?xml version="1.0" encoding="utf-8"?>
 <p:sld xmlns:a="http://schemas.openxmlformats.org/drawingml/2006/main" xmlns:r="http://schemas.openxmlformats.org/officeDocument/2006/relationships" xmlns:p="http://schemas.openxmlformats.org/presentationml/2006/main">
   <p:cSld>
     <p:spTree>
@@ -5088,6 +7852,318 @@
 </p:sld>
 </file>
 
+<file path=ppt/slides/slide14.xml><?xml version="1.0" encoding="utf-8"?>
+<p:sld xmlns:a="http://schemas.openxmlformats.org/drawingml/2006/main" xmlns:r="http://schemas.openxmlformats.org/officeDocument/2006/relationships" xmlns:p="http://schemas.openxmlformats.org/presentationml/2006/main">
+  <p:cSld>
+    <p:spTree>
+      <p:nvGrpSpPr>
+        <p:cNvPr id="1" name=""/>
+        <p:cNvGrpSpPr/>
+        <p:nvPr/>
+      </p:nvGrpSpPr>
+      <p:grpSpPr>
+        <a:xfrm>
+          <a:off x="0" y="0"/>
+          <a:ext cx="0" cy="0"/>
+          <a:chOff x="0" y="0"/>
+          <a:chExt cx="0" cy="0"/>
+        </a:xfrm>
+      </p:grpSpPr>
+      <p:pic>
+        <p:nvPicPr>
+          <p:cNvPr id="3" name="Picture 2" descr="Qr code&#10;&#10;Description automatically generated">
+            <a:extLst>
+              <a:ext uri="{FF2B5EF4-FFF2-40B4-BE49-F238E27FC236}">
+                <a16:creationId xmlns:a16="http://schemas.microsoft.com/office/drawing/2014/main" id="{1741C084-42FD-47FE-8BB3-53F97E614B66}"/>
+              </a:ext>
+            </a:extLst>
+          </p:cNvPr>
+          <p:cNvPicPr>
+            <a:picLocks noChangeAspect="1"/>
+          </p:cNvPicPr>
+          <p:nvPr/>
+        </p:nvPicPr>
+        <p:blipFill>
+          <a:blip r:embed="rId2">
+            <a:extLst>
+              <a:ext uri="{28A0092B-C50C-407E-A947-70E740481C1C}">
+                <a14:useLocalDpi xmlns:a14="http://schemas.microsoft.com/office/drawing/2010/main" val="0"/>
+              </a:ext>
+            </a:extLst>
+          </a:blip>
+          <a:stretch>
+            <a:fillRect/>
+          </a:stretch>
+        </p:blipFill>
+        <p:spPr>
+          <a:xfrm>
+            <a:off x="7002462" y="1690688"/>
+            <a:ext cx="4351338" cy="4351338"/>
+          </a:xfrm>
+          <a:prstGeom prst="rect">
+            <a:avLst/>
+          </a:prstGeom>
+        </p:spPr>
+      </p:pic>
+      <p:sp>
+        <p:nvSpPr>
+          <p:cNvPr id="2" name="Title 1">
+            <a:extLst>
+              <a:ext uri="{FF2B5EF4-FFF2-40B4-BE49-F238E27FC236}">
+                <a16:creationId xmlns:a16="http://schemas.microsoft.com/office/drawing/2014/main" id="{8C6FEC0B-2337-4AA1-ACC3-A43A3B12405F}"/>
+              </a:ext>
+            </a:extLst>
+          </p:cNvPr>
+          <p:cNvSpPr>
+            <a:spLocks noGrp="1"/>
+          </p:cNvSpPr>
+          <p:nvPr>
+            <p:ph type="title"/>
+          </p:nvPr>
+        </p:nvSpPr>
+        <p:spPr/>
+        <p:txBody>
+          <a:bodyPr>
+            <a:normAutofit fontScale="90000"/>
+          </a:bodyPr>
+          <a:lstStyle/>
+          <a:p>
+            <a:r>
+              <a:rPr kumimoji="0" lang="en-GB" sz="4800" b="1" i="0" u="none" strike="noStrike" kern="1200" cap="none" spc="0" normalizeH="0" baseline="0" noProof="0" dirty="0">
+                <a:ln>
+                  <a:noFill/>
+                </a:ln>
+                <a:solidFill>
+                  <a:prstClr val="white"/>
+                </a:solidFill>
+                <a:effectLst/>
+                <a:uLnTx/>
+                <a:uFillTx/>
+                <a:latin typeface="Poppins SemiBold" panose="00000700000000000000" pitchFamily="2" charset="0"/>
+                <a:ea typeface="+mn-ea"/>
+                <a:cs typeface="Poppins SemiBold" panose="00000700000000000000" pitchFamily="2" charset="0"/>
+              </a:rPr>
+              <a:t>You could be a PAL Leader next year!</a:t>
+            </a:r>
+            <a:endParaRPr lang="en-GB" dirty="0"/>
+          </a:p>
+        </p:txBody>
+      </p:sp>
+      <p:sp>
+        <p:nvSpPr>
+          <p:cNvPr id="6" name="Content Placeholder 5">
+            <a:extLst>
+              <a:ext uri="{FF2B5EF4-FFF2-40B4-BE49-F238E27FC236}">
+                <a16:creationId xmlns:a16="http://schemas.microsoft.com/office/drawing/2014/main" id="{6CCB5CD0-900C-4448-BFB5-AAA498FA7669}"/>
+              </a:ext>
+            </a:extLst>
+          </p:cNvPr>
+          <p:cNvSpPr>
+            <a:spLocks noGrp="1"/>
+          </p:cNvSpPr>
+          <p:nvPr>
+            <p:ph idx="1"/>
+          </p:nvPr>
+        </p:nvSpPr>
+        <p:spPr>
+          <a:xfrm>
+            <a:off x="838200" y="1719470"/>
+            <a:ext cx="6164262" cy="4322556"/>
+          </a:xfrm>
+        </p:spPr>
+        <p:txBody>
+          <a:bodyPr>
+            <a:normAutofit/>
+          </a:bodyPr>
+          <a:lstStyle/>
+          <a:p>
+            <a:pPr marL="0" indent="0">
+              <a:buNone/>
+            </a:pPr>
+            <a:r>
+              <a:rPr lang="en-GB" sz="2800" dirty="0"/>
+              <a:t>Lead sessions, help others, and develop valuable skills –</a:t>
+            </a:r>
+          </a:p>
+          <a:p>
+            <a:pPr lvl="1"/>
+            <a:r>
+              <a:rPr lang="en-GB" sz="2400" dirty="0"/>
+              <a:t>Communication skills.</a:t>
+            </a:r>
+          </a:p>
+          <a:p>
+            <a:pPr lvl="1"/>
+            <a:r>
+              <a:rPr lang="en-GB" sz="2400" dirty="0"/>
+              <a:t>Public speaking and presentation skills.</a:t>
+            </a:r>
+          </a:p>
+          <a:p>
+            <a:pPr lvl="1"/>
+            <a:r>
+              <a:rPr lang="en-GB" sz="2400" dirty="0"/>
+              <a:t>Teamwork and organisation.</a:t>
+            </a:r>
+          </a:p>
+          <a:p>
+            <a:r>
+              <a:rPr lang="en-GB" sz="2800" dirty="0"/>
+              <a:t>Scan the QR code to find out more.</a:t>
+            </a:r>
+          </a:p>
+        </p:txBody>
+      </p:sp>
+      <p:sp>
+        <p:nvSpPr>
+          <p:cNvPr id="8" name="TextBox 7">
+            <a:extLst>
+              <a:ext uri="{FF2B5EF4-FFF2-40B4-BE49-F238E27FC236}">
+                <a16:creationId xmlns:a16="http://schemas.microsoft.com/office/drawing/2014/main" id="{735D9F74-1499-425B-8042-DB678929E06E}"/>
+              </a:ext>
+            </a:extLst>
+          </p:cNvPr>
+          <p:cNvSpPr txBox="1"/>
+          <p:nvPr/>
+        </p:nvSpPr>
+        <p:spPr>
+          <a:xfrm>
+            <a:off x="5608180" y="6176963"/>
+            <a:ext cx="6495689" cy="369332"/>
+          </a:xfrm>
+          <a:prstGeom prst="rect">
+            <a:avLst/>
+          </a:prstGeom>
+          <a:noFill/>
+        </p:spPr>
+        <p:txBody>
+          <a:bodyPr wrap="none" rtlCol="0">
+            <a:spAutoFit/>
+          </a:bodyPr>
+          <a:lstStyle/>
+          <a:p>
+            <a:pPr marL="0" marR="0" lvl="0" indent="0" algn="l" defTabSz="914400" rtl="0" eaLnBrk="1" fontAlgn="auto" latinLnBrk="0" hangingPunct="1">
+              <a:lnSpc>
+                <a:spcPct val="100000"/>
+              </a:lnSpc>
+              <a:spcBef>
+                <a:spcPts val="0"/>
+              </a:spcBef>
+              <a:spcAft>
+                <a:spcPts val="0"/>
+              </a:spcAft>
+              <a:buClrTx/>
+              <a:buSzTx/>
+              <a:buFontTx/>
+              <a:buNone/>
+              <a:tabLst/>
+              <a:defRPr/>
+            </a:pPr>
+            <a:r>
+              <a:rPr kumimoji="0" lang="en-GB" sz="1800" b="0" i="0" u="none" strike="noStrike" kern="1200" cap="none" spc="0" normalizeH="0" baseline="0" noProof="0" dirty="0">
+                <a:ln>
+                  <a:noFill/>
+                </a:ln>
+                <a:solidFill>
+                  <a:prstClr val="white"/>
+                </a:solidFill>
+                <a:effectLst/>
+                <a:uLnTx/>
+                <a:uFillTx/>
+                <a:latin typeface="Poppins" panose="00000500000000000000" pitchFamily="2" charset="0"/>
+                <a:ea typeface="+mn-ea"/>
+                <a:cs typeface="Poppins" panose="00000500000000000000" pitchFamily="2" charset="0"/>
+                <a:hlinkClick r:id="rId3">
+                  <a:extLst>
+                    <a:ext uri="{A12FA001-AC4F-418D-AE19-62706E023703}">
+                      <ahyp:hlinkClr xmlns:ahyp="http://schemas.microsoft.com/office/drawing/2018/hyperlinkcolor" val="tx"/>
+                    </a:ext>
+                  </a:extLst>
+                </a:hlinkClick>
+              </a:rPr>
+              <a:t>thesubath.com/peer-support/pal/</a:t>
+            </a:r>
+            <a:r>
+              <a:rPr kumimoji="0" lang="en-GB" sz="1800" b="0" i="0" u="none" strike="noStrike" kern="1200" cap="none" spc="0" normalizeH="0" baseline="0" noProof="0" dirty="0" err="1">
+                <a:ln>
+                  <a:noFill/>
+                </a:ln>
+                <a:solidFill>
+                  <a:prstClr val="white"/>
+                </a:solidFill>
+                <a:effectLst/>
+                <a:uLnTx/>
+                <a:uFillTx/>
+                <a:latin typeface="Poppins" panose="00000500000000000000" pitchFamily="2" charset="0"/>
+                <a:ea typeface="+mn-ea"/>
+                <a:cs typeface="Poppins" panose="00000500000000000000" pitchFamily="2" charset="0"/>
+                <a:hlinkClick r:id="rId3">
+                  <a:extLst>
+                    <a:ext uri="{A12FA001-AC4F-418D-AE19-62706E023703}">
+                      <ahyp:hlinkClr xmlns:ahyp="http://schemas.microsoft.com/office/drawing/2018/hyperlinkcolor" val="tx"/>
+                    </a:ext>
+                  </a:extLst>
+                </a:hlinkClick>
+              </a:rPr>
+              <a:t>becomeapalleader</a:t>
+            </a:r>
+            <a:r>
+              <a:rPr kumimoji="0" lang="en-GB" sz="1800" b="0" i="0" u="none" strike="noStrike" kern="1200" cap="none" spc="0" normalizeH="0" baseline="0" noProof="0" dirty="0">
+                <a:ln>
+                  <a:noFill/>
+                </a:ln>
+                <a:solidFill>
+                  <a:prstClr val="white"/>
+                </a:solidFill>
+                <a:effectLst/>
+                <a:uLnTx/>
+                <a:uFillTx/>
+                <a:latin typeface="Poppins" panose="00000500000000000000" pitchFamily="2" charset="0"/>
+                <a:ea typeface="+mn-ea"/>
+                <a:cs typeface="Poppins" panose="00000500000000000000" pitchFamily="2" charset="0"/>
+                <a:hlinkClick r:id="rId3">
+                  <a:extLst>
+                    <a:ext uri="{A12FA001-AC4F-418D-AE19-62706E023703}">
+                      <ahyp:hlinkClr xmlns:ahyp="http://schemas.microsoft.com/office/drawing/2018/hyperlinkcolor" val="tx"/>
+                    </a:ext>
+                  </a:extLst>
+                </a:hlinkClick>
+              </a:rPr>
+              <a:t>/</a:t>
+            </a:r>
+            <a:r>
+              <a:rPr kumimoji="0" lang="en-GB" sz="1800" b="0" i="0" u="none" strike="noStrike" kern="1200" cap="none" spc="0" normalizeH="0" baseline="0" noProof="0" dirty="0">
+                <a:ln>
+                  <a:noFill/>
+                </a:ln>
+                <a:solidFill>
+                  <a:prstClr val="white"/>
+                </a:solidFill>
+                <a:effectLst/>
+                <a:uLnTx/>
+                <a:uFillTx/>
+                <a:latin typeface="Poppins" panose="00000500000000000000" pitchFamily="2" charset="0"/>
+                <a:ea typeface="+mn-ea"/>
+                <a:cs typeface="Poppins" panose="00000500000000000000" pitchFamily="2" charset="0"/>
+              </a:rPr>
+              <a:t> </a:t>
+            </a:r>
+          </a:p>
+        </p:txBody>
+      </p:sp>
+    </p:spTree>
+    <p:extLst>
+      <p:ext uri="{BB962C8B-B14F-4D97-AF65-F5344CB8AC3E}">
+        <p14:creationId xmlns:p14="http://schemas.microsoft.com/office/powerpoint/2010/main" val="673456117"/>
+      </p:ext>
+    </p:extLst>
+  </p:cSld>
+  <p:clrMapOvr>
+    <a:masterClrMapping/>
+  </p:clrMapOvr>
+</p:sld>
+</file>
+
 <file path=ppt/slides/slide2.xml><?xml version="1.0" encoding="utf-8"?>
 <p:sld xmlns:a="http://schemas.openxmlformats.org/drawingml/2006/main" xmlns:r="http://schemas.openxmlformats.org/officeDocument/2006/relationships" xmlns:p="http://schemas.openxmlformats.org/presentationml/2006/main">
   <p:cSld>
@@ -5110,6 +8186,133 @@
           <p:cNvPr id="2" name="Title 1">
             <a:extLst>
               <a:ext uri="{FF2B5EF4-FFF2-40B4-BE49-F238E27FC236}">
+                <a16:creationId xmlns:a16="http://schemas.microsoft.com/office/drawing/2014/main" id="{4C50F847-1095-584E-9026-7755DC591533}"/>
+              </a:ext>
+            </a:extLst>
+          </p:cNvPr>
+          <p:cNvSpPr>
+            <a:spLocks noGrp="1"/>
+          </p:cNvSpPr>
+          <p:nvPr>
+            <p:ph type="title"/>
+          </p:nvPr>
+        </p:nvSpPr>
+        <p:spPr>
+          <a:xfrm>
+            <a:off x="838200" y="296479"/>
+            <a:ext cx="10515600" cy="1325563"/>
+          </a:xfrm>
+        </p:spPr>
+        <p:txBody>
+          <a:bodyPr/>
+          <a:lstStyle/>
+          <a:p>
+            <a:r>
+              <a:rPr lang="en-US" dirty="0"/>
+              <a:t>Today</a:t>
+            </a:r>
+          </a:p>
+        </p:txBody>
+      </p:sp>
+      <p:sp>
+        <p:nvSpPr>
+          <p:cNvPr id="3" name="Content Placeholder 2">
+            <a:extLst>
+              <a:ext uri="{FF2B5EF4-FFF2-40B4-BE49-F238E27FC236}">
+                <a16:creationId xmlns:a16="http://schemas.microsoft.com/office/drawing/2014/main" id="{5924C627-D89B-094A-9E5C-CACFBC36364A}"/>
+              </a:ext>
+            </a:extLst>
+          </p:cNvPr>
+          <p:cNvSpPr>
+            <a:spLocks noGrp="1"/>
+          </p:cNvSpPr>
+          <p:nvPr>
+            <p:ph idx="1"/>
+          </p:nvPr>
+        </p:nvSpPr>
+        <p:spPr/>
+        <p:txBody>
+          <a:bodyPr/>
+          <a:lstStyle/>
+          <a:p>
+            <a:r>
+              <a:rPr lang="en-US" dirty="0">
+                <a:sym typeface="Wingdings" pitchFamily="2" charset="2"/>
+              </a:rPr>
+              <a:t>Threads in Java</a:t>
+            </a:r>
+          </a:p>
+          <a:p>
+            <a:endParaRPr lang="en-US" dirty="0">
+              <a:sym typeface="Wingdings" pitchFamily="2" charset="2"/>
+            </a:endParaRPr>
+          </a:p>
+          <a:p>
+            <a:r>
+              <a:rPr lang="en-US" dirty="0">
+                <a:sym typeface="Wingdings" pitchFamily="2" charset="2"/>
+              </a:rPr>
+              <a:t>Value Iteration Algorithm</a:t>
+            </a:r>
+          </a:p>
+          <a:p>
+            <a:endParaRPr lang="en-US" dirty="0">
+              <a:sym typeface="Wingdings" pitchFamily="2" charset="2"/>
+            </a:endParaRPr>
+          </a:p>
+          <a:p>
+            <a:r>
+              <a:rPr lang="en-US" dirty="0">
+                <a:sym typeface="Wingdings" pitchFamily="2" charset="2"/>
+              </a:rPr>
+              <a:t>Time to work on coursework together and ask questions.</a:t>
+            </a:r>
+          </a:p>
+          <a:p>
+            <a:endParaRPr lang="en-US" dirty="0">
+              <a:sym typeface="Wingdings" pitchFamily="2" charset="2"/>
+            </a:endParaRPr>
+          </a:p>
+          <a:p>
+            <a:endParaRPr lang="en-US" dirty="0"/>
+          </a:p>
+        </p:txBody>
+      </p:sp>
+    </p:spTree>
+    <p:extLst>
+      <p:ext uri="{BB962C8B-B14F-4D97-AF65-F5344CB8AC3E}">
+        <p14:creationId xmlns:p14="http://schemas.microsoft.com/office/powerpoint/2010/main" val="2244089665"/>
+      </p:ext>
+    </p:extLst>
+  </p:cSld>
+  <p:clrMapOvr>
+    <a:masterClrMapping/>
+  </p:clrMapOvr>
+</p:sld>
+</file>
+
+<file path=ppt/slides/slide3.xml><?xml version="1.0" encoding="utf-8"?>
+<p:sld xmlns:a="http://schemas.openxmlformats.org/drawingml/2006/main" xmlns:r="http://schemas.openxmlformats.org/officeDocument/2006/relationships" xmlns:p="http://schemas.openxmlformats.org/presentationml/2006/main">
+  <p:cSld>
+    <p:spTree>
+      <p:nvGrpSpPr>
+        <p:cNvPr id="1" name=""/>
+        <p:cNvGrpSpPr/>
+        <p:nvPr/>
+      </p:nvGrpSpPr>
+      <p:grpSpPr>
+        <a:xfrm>
+          <a:off x="0" y="0"/>
+          <a:ext cx="0" cy="0"/>
+          <a:chOff x="0" y="0"/>
+          <a:chExt cx="0" cy="0"/>
+        </a:xfrm>
+      </p:grpSpPr>
+      <p:sp>
+        <p:nvSpPr>
+          <p:cNvPr id="2" name="Title 1">
+            <a:extLst>
+              <a:ext uri="{FF2B5EF4-FFF2-40B4-BE49-F238E27FC236}">
                 <a16:creationId xmlns:a16="http://schemas.microsoft.com/office/drawing/2014/main" id="{620C5B93-F9E5-8A46-BA10-64ECBC89F32C}"/>
               </a:ext>
             </a:extLst>
@@ -5254,7 +8457,7 @@
 </p:sld>
 </file>
 
-<file path=ppt/slides/slide3.xml><?xml version="1.0" encoding="utf-8"?>
+<file path=ppt/slides/slide4.xml><?xml version="1.0" encoding="utf-8"?>
 <p:sld xmlns:a="http://schemas.openxmlformats.org/drawingml/2006/main" xmlns:r="http://schemas.openxmlformats.org/officeDocument/2006/relationships" xmlns:p="http://schemas.openxmlformats.org/presentationml/2006/main">
   <p:cSld>
     <p:bg>
@@ -5412,136 +8615,6 @@
 </p:sld>
 </file>
 
-<file path=ppt/slides/slide4.xml><?xml version="1.0" encoding="utf-8"?>
-<p:sld xmlns:a="http://schemas.openxmlformats.org/drawingml/2006/main" xmlns:r="http://schemas.openxmlformats.org/officeDocument/2006/relationships" xmlns:p="http://schemas.openxmlformats.org/presentationml/2006/main">
-  <p:cSld>
-    <p:spTree>
-      <p:nvGrpSpPr>
-        <p:cNvPr id="1" name=""/>
-        <p:cNvGrpSpPr/>
-        <p:nvPr/>
-      </p:nvGrpSpPr>
-      <p:grpSpPr>
-        <a:xfrm>
-          <a:off x="0" y="0"/>
-          <a:ext cx="0" cy="0"/>
-          <a:chOff x="0" y="0"/>
-          <a:chExt cx="0" cy="0"/>
-        </a:xfrm>
-      </p:grpSpPr>
-      <p:sp>
-        <p:nvSpPr>
-          <p:cNvPr id="2" name="Title 1">
-            <a:extLst>
-              <a:ext uri="{FF2B5EF4-FFF2-40B4-BE49-F238E27FC236}">
-                <a16:creationId xmlns:a16="http://schemas.microsoft.com/office/drawing/2014/main" id="{C99798E5-D354-DE40-8C6E-82B5CECB2235}"/>
-              </a:ext>
-            </a:extLst>
-          </p:cNvPr>
-          <p:cNvSpPr>
-            <a:spLocks noGrp="1"/>
-          </p:cNvSpPr>
-          <p:nvPr>
-            <p:ph type="title"/>
-          </p:nvPr>
-        </p:nvSpPr>
-        <p:spPr/>
-        <p:txBody>
-          <a:bodyPr/>
-          <a:lstStyle/>
-          <a:p>
-            <a:r>
-              <a:rPr lang="en-US" dirty="0"/>
-              <a:t>The Thread Class</a:t>
-            </a:r>
-          </a:p>
-        </p:txBody>
-      </p:sp>
-      <p:sp>
-        <p:nvSpPr>
-          <p:cNvPr id="3" name="Content Placeholder 2">
-            <a:extLst>
-              <a:ext uri="{FF2B5EF4-FFF2-40B4-BE49-F238E27FC236}">
-                <a16:creationId xmlns:a16="http://schemas.microsoft.com/office/drawing/2014/main" id="{21887FD1-A908-E545-83E1-CB5330C1B3DD}"/>
-              </a:ext>
-            </a:extLst>
-          </p:cNvPr>
-          <p:cNvSpPr>
-            <a:spLocks noGrp="1"/>
-          </p:cNvSpPr>
-          <p:nvPr>
-            <p:ph idx="1"/>
-          </p:nvPr>
-        </p:nvSpPr>
-        <p:spPr/>
-        <p:txBody>
-          <a:bodyPr/>
-          <a:lstStyle/>
-          <a:p>
-            <a:r>
-              <a:rPr lang="en-US" dirty="0"/>
-              <a:t>The Thread class can take in a function and use that for the ‘</a:t>
-            </a:r>
-            <a:r>
-              <a:rPr lang="en-US" sz="2400" dirty="0">
-                <a:solidFill>
-                  <a:schemeClr val="accent1">
-                    <a:lumMod val="75000"/>
-                  </a:schemeClr>
-                </a:solidFill>
-                <a:latin typeface="Menlo" panose="020B0609030804020204" pitchFamily="49" charset="0"/>
-                <a:ea typeface="Menlo" panose="020B0609030804020204" pitchFamily="49" charset="0"/>
-                <a:cs typeface="Menlo" panose="020B0609030804020204" pitchFamily="49" charset="0"/>
-              </a:rPr>
-              <a:t>run()</a:t>
-            </a:r>
-            <a:r>
-              <a:rPr lang="en-US" dirty="0"/>
-              <a:t>’ method automatically</a:t>
-            </a:r>
-          </a:p>
-          <a:p>
-            <a:endParaRPr lang="en-US" dirty="0"/>
-          </a:p>
-          <a:p>
-            <a:pPr marL="0" indent="0">
-              <a:buNone/>
-            </a:pPr>
-            <a:r>
-              <a:rPr lang="en-US" dirty="0"/>
-              <a:t>You do not need to know how this works, or why this works, but if you are interested, Functional Programming in Year 2 will cover it</a:t>
-            </a:r>
-          </a:p>
-          <a:p>
-            <a:pPr marL="0" indent="0">
-              <a:buNone/>
-            </a:pPr>
-            <a:endParaRPr lang="en-US" dirty="0"/>
-          </a:p>
-          <a:p>
-            <a:pPr marL="0" indent="0">
-              <a:buNone/>
-            </a:pPr>
-            <a:r>
-              <a:rPr lang="en-US" dirty="0"/>
-              <a:t>You just need a function/method that has no parameters, and doesn’t return anything</a:t>
-            </a:r>
-          </a:p>
-        </p:txBody>
-      </p:sp>
-    </p:spTree>
-    <p:extLst>
-      <p:ext uri="{BB962C8B-B14F-4D97-AF65-F5344CB8AC3E}">
-        <p14:creationId xmlns:p14="http://schemas.microsoft.com/office/powerpoint/2010/main" val="586203777"/>
-      </p:ext>
-    </p:extLst>
-  </p:cSld>
-  <p:clrMapOvr>
-    <a:masterClrMapping/>
-  </p:clrMapOvr>
-</p:sld>
-</file>
-
 <file path=ppt/slides/slide5.xml><?xml version="1.0" encoding="utf-8"?>
 <p:sld xmlns:a="http://schemas.openxmlformats.org/drawingml/2006/main" xmlns:r="http://schemas.openxmlformats.org/officeDocument/2006/relationships" xmlns:p="http://schemas.openxmlformats.org/presentationml/2006/main">
   <p:cSld>
@@ -5564,7 +8637,7 @@
           <p:cNvPr id="2" name="Title 1">
             <a:extLst>
               <a:ext uri="{FF2B5EF4-FFF2-40B4-BE49-F238E27FC236}">
-                <a16:creationId xmlns:a16="http://schemas.microsoft.com/office/drawing/2014/main" id="{9CEB9982-BD98-054E-8697-74707D50DC75}"/>
+                <a16:creationId xmlns:a16="http://schemas.microsoft.com/office/drawing/2014/main" id="{C99798E5-D354-DE40-8C6E-82B5CECB2235}"/>
               </a:ext>
             </a:extLst>
           </p:cNvPr>
@@ -5582,88 +8655,38 @@
           <a:p>
             <a:r>
               <a:rPr lang="en-US" dirty="0"/>
-              <a:t>Threads for </a:t>
-            </a:r>
-            <a:r>
-              <a:rPr lang="en-US" strike="sngStrike" dirty="0"/>
-              <a:t>Dummies</a:t>
-            </a:r>
+              <a:t>The Thread Class</a:t>
+            </a:r>
+          </a:p>
+        </p:txBody>
+      </p:sp>
+      <p:sp>
+        <p:nvSpPr>
+          <p:cNvPr id="3" name="Content Placeholder 2">
+            <a:extLst>
+              <a:ext uri="{FF2B5EF4-FFF2-40B4-BE49-F238E27FC236}">
+                <a16:creationId xmlns:a16="http://schemas.microsoft.com/office/drawing/2014/main" id="{21887FD1-A908-E545-83E1-CB5330C1B3DD}"/>
+              </a:ext>
+            </a:extLst>
+          </p:cNvPr>
+          <p:cNvSpPr>
+            <a:spLocks noGrp="1"/>
+          </p:cNvSpPr>
+          <p:nvPr>
+            <p:ph idx="1"/>
+          </p:nvPr>
+        </p:nvSpPr>
+        <p:spPr/>
+        <p:txBody>
+          <a:bodyPr/>
+          <a:lstStyle/>
+          <a:p>
             <a:r>
               <a:rPr lang="en-US" dirty="0"/>
-              <a:t> Professionals</a:t>
-            </a:r>
-          </a:p>
-        </p:txBody>
-      </p:sp>
-      <p:pic>
-        <p:nvPicPr>
-          <p:cNvPr id="5" name="Content Placeholder 4" descr="Text&#10;&#10;Description automatically generated">
-            <a:extLst>
-              <a:ext uri="{FF2B5EF4-FFF2-40B4-BE49-F238E27FC236}">
-                <a16:creationId xmlns:a16="http://schemas.microsoft.com/office/drawing/2014/main" id="{05C3B075-874F-7645-8164-FD266D5C2726}"/>
-              </a:ext>
-            </a:extLst>
-          </p:cNvPr>
-          <p:cNvPicPr>
-            <a:picLocks noGrp="1" noChangeAspect="1"/>
-          </p:cNvPicPr>
-          <p:nvPr>
-            <p:ph idx="1"/>
-          </p:nvPr>
-        </p:nvPicPr>
-        <p:blipFill>
-          <a:blip r:embed="rId2">
-            <a:extLst>
-              <a:ext uri="{28A0092B-C50C-407E-A947-70E740481C1C}">
-                <a14:useLocalDpi xmlns:a14="http://schemas.microsoft.com/office/drawing/2010/main" val="0"/>
-              </a:ext>
-            </a:extLst>
-          </a:blip>
-          <a:stretch>
-            <a:fillRect/>
-          </a:stretch>
-        </p:blipFill>
-        <p:spPr>
-          <a:xfrm>
-            <a:off x="1185380" y="1825625"/>
-            <a:ext cx="9409184" cy="4168775"/>
-          </a:xfrm>
-        </p:spPr>
-      </p:pic>
-      <p:sp>
-        <p:nvSpPr>
-          <p:cNvPr id="6" name="TextBox 5">
-            <a:extLst>
-              <a:ext uri="{FF2B5EF4-FFF2-40B4-BE49-F238E27FC236}">
-                <a16:creationId xmlns:a16="http://schemas.microsoft.com/office/drawing/2014/main" id="{F9EA47FF-11FE-CD4E-906A-D9911AE7748A}"/>
-              </a:ext>
-            </a:extLst>
-          </p:cNvPr>
-          <p:cNvSpPr txBox="1"/>
-          <p:nvPr/>
-        </p:nvSpPr>
-        <p:spPr>
-          <a:xfrm>
-            <a:off x="1198259" y="6121400"/>
-            <a:ext cx="9409184" cy="1092607"/>
-          </a:xfrm>
-          <a:prstGeom prst="rect">
-            <a:avLst/>
-          </a:prstGeom>
-          <a:noFill/>
-        </p:spPr>
-        <p:txBody>
-          <a:bodyPr wrap="square" rtlCol="0">
-            <a:spAutoFit/>
-          </a:bodyPr>
-          <a:lstStyle/>
-          <a:p>
-            <a:r>
-              <a:rPr lang="en-US" sz="1300" dirty="0"/>
-              <a:t>The Thread constructor can take in a function, which we can declare using: </a:t>
-            </a:r>
-            <a:r>
-              <a:rPr lang="en-US" sz="1300" dirty="0">
+              <a:t>The Thread class can take in a function and use that for the ‘</a:t>
+            </a:r>
+            <a:r>
+              <a:rPr lang="en-US" sz="2400" dirty="0">
                 <a:solidFill>
                   <a:schemeClr val="accent1">
                     <a:lumMod val="75000"/>
@@ -5673,51 +8696,46 @@
                 <a:ea typeface="Menlo" panose="020B0609030804020204" pitchFamily="49" charset="0"/>
                 <a:cs typeface="Menlo" panose="020B0609030804020204" pitchFamily="49" charset="0"/>
               </a:rPr>
-              <a:t>() -&gt; {</a:t>
-            </a:r>
-          </a:p>
-          <a:p>
-            <a:r>
-              <a:rPr lang="en-US" sz="1300" dirty="0">
-                <a:solidFill>
-                  <a:schemeClr val="accent1">
-                    <a:lumMod val="75000"/>
-                  </a:schemeClr>
-                </a:solidFill>
-                <a:latin typeface="Menlo" panose="020B0609030804020204" pitchFamily="49" charset="0"/>
-                <a:ea typeface="Menlo" panose="020B0609030804020204" pitchFamily="49" charset="0"/>
-                <a:cs typeface="Menlo" panose="020B0609030804020204" pitchFamily="49" charset="0"/>
-              </a:rPr>
-              <a:t>					         CODE GOES HERE</a:t>
-            </a:r>
-          </a:p>
-          <a:p>
-            <a:r>
-              <a:rPr lang="en-US" sz="1300" dirty="0">
-                <a:solidFill>
-                  <a:schemeClr val="accent1">
-                    <a:lumMod val="75000"/>
-                  </a:schemeClr>
-                </a:solidFill>
-                <a:latin typeface="Menlo" panose="020B0609030804020204" pitchFamily="49" charset="0"/>
-                <a:ea typeface="Menlo" panose="020B0609030804020204" pitchFamily="49" charset="0"/>
-                <a:cs typeface="Menlo" panose="020B0609030804020204" pitchFamily="49" charset="0"/>
-              </a:rPr>
-              <a:t>					     }</a:t>
-            </a:r>
-          </a:p>
-          <a:p>
-            <a:endParaRPr lang="en-US" sz="1300" dirty="0"/>
-          </a:p>
-          <a:p>
-            <a:endParaRPr lang="en-US" sz="1300" dirty="0"/>
+              <a:t>run()</a:t>
+            </a:r>
+            <a:r>
+              <a:rPr lang="en-US" dirty="0"/>
+              <a:t>’ method automatically</a:t>
+            </a:r>
+          </a:p>
+          <a:p>
+            <a:endParaRPr lang="en-US" dirty="0"/>
+          </a:p>
+          <a:p>
+            <a:pPr marL="0" indent="0">
+              <a:buNone/>
+            </a:pPr>
+            <a:r>
+              <a:rPr lang="en-US" dirty="0"/>
+              <a:t>You do not need to know how this works, or why this works, but if you are interested, Functional Programming in Year 2 will cover it</a:t>
+            </a:r>
+          </a:p>
+          <a:p>
+            <a:pPr marL="0" indent="0">
+              <a:buNone/>
+            </a:pPr>
+            <a:endParaRPr lang="en-US" dirty="0"/>
+          </a:p>
+          <a:p>
+            <a:pPr marL="0" indent="0">
+              <a:buNone/>
+            </a:pPr>
+            <a:r>
+              <a:rPr lang="en-US" dirty="0"/>
+              <a:t>You just need a function/method that has no parameters, and doesn’t return anything</a:t>
+            </a:r>
           </a:p>
         </p:txBody>
       </p:sp>
     </p:spTree>
     <p:extLst>
       <p:ext uri="{BB962C8B-B14F-4D97-AF65-F5344CB8AC3E}">
-        <p14:creationId xmlns:p14="http://schemas.microsoft.com/office/powerpoint/2010/main" val="1251680472"/>
+        <p14:creationId xmlns:p14="http://schemas.microsoft.com/office/powerpoint/2010/main" val="586203777"/>
       </p:ext>
     </p:extLst>
   </p:cSld>
@@ -5749,7 +8767,7 @@
           <p:cNvPr id="2" name="Title 1">
             <a:extLst>
               <a:ext uri="{FF2B5EF4-FFF2-40B4-BE49-F238E27FC236}">
-                <a16:creationId xmlns:a16="http://schemas.microsoft.com/office/drawing/2014/main" id="{5CC87B04-425A-1E47-8225-4B1B5BA59D68}"/>
+                <a16:creationId xmlns:a16="http://schemas.microsoft.com/office/drawing/2014/main" id="{9CEB9982-BD98-054E-8697-74707D50DC75}"/>
               </a:ext>
             </a:extLst>
           </p:cNvPr>
@@ -5760,97 +8778,95 @@
             <p:ph type="title"/>
           </p:nvPr>
         </p:nvSpPr>
+        <p:spPr/>
+        <p:txBody>
+          <a:bodyPr/>
+          <a:lstStyle/>
+          <a:p>
+            <a:r>
+              <a:rPr lang="en-US" dirty="0"/>
+              <a:t>Threads for </a:t>
+            </a:r>
+            <a:r>
+              <a:rPr lang="en-US" strike="sngStrike" dirty="0"/>
+              <a:t>Dummies</a:t>
+            </a:r>
+            <a:r>
+              <a:rPr lang="en-US" dirty="0"/>
+              <a:t> Professionals</a:t>
+            </a:r>
+          </a:p>
+        </p:txBody>
+      </p:sp>
+      <p:pic>
+        <p:nvPicPr>
+          <p:cNvPr id="5" name="Content Placeholder 4" descr="Text&#10;&#10;Description automatically generated">
+            <a:extLst>
+              <a:ext uri="{FF2B5EF4-FFF2-40B4-BE49-F238E27FC236}">
+                <a16:creationId xmlns:a16="http://schemas.microsoft.com/office/drawing/2014/main" id="{05C3B075-874F-7645-8164-FD266D5C2726}"/>
+              </a:ext>
+            </a:extLst>
+          </p:cNvPr>
+          <p:cNvPicPr>
+            <a:picLocks noGrp="1" noChangeAspect="1"/>
+          </p:cNvPicPr>
+          <p:nvPr>
+            <p:ph idx="1"/>
+          </p:nvPr>
+        </p:nvPicPr>
+        <p:blipFill>
+          <a:blip r:embed="rId2">
+            <a:extLst>
+              <a:ext uri="{28A0092B-C50C-407E-A947-70E740481C1C}">
+                <a14:useLocalDpi xmlns:a14="http://schemas.microsoft.com/office/drawing/2010/main" val="0"/>
+              </a:ext>
+            </a:extLst>
+          </a:blip>
+          <a:stretch>
+            <a:fillRect/>
+          </a:stretch>
+        </p:blipFill>
         <p:spPr>
           <a:xfrm>
-            <a:off x="838200" y="12700"/>
-            <a:ext cx="11353800" cy="1325563"/>
+            <a:off x="1185380" y="1825625"/>
+            <a:ext cx="9409184" cy="4168775"/>
           </a:xfrm>
         </p:spPr>
-        <p:txBody>
-          <a:bodyPr/>
-          <a:lstStyle/>
-          <a:p>
-            <a:r>
-              <a:rPr lang="en-US" dirty="0"/>
-              <a:t>Threads for </a:t>
-            </a:r>
-            <a:r>
-              <a:rPr lang="en-US" strike="sngStrike" dirty="0"/>
-              <a:t>Dummies</a:t>
-            </a:r>
-            <a:r>
-              <a:rPr lang="en-US" dirty="0"/>
-              <a:t> </a:t>
-            </a:r>
-            <a:r>
-              <a:rPr lang="en-US" strike="sngStrike" dirty="0"/>
-              <a:t>Professionals</a:t>
-            </a:r>
-            <a:r>
-              <a:rPr lang="en-US" dirty="0"/>
-              <a:t> Experts</a:t>
-            </a:r>
-          </a:p>
-        </p:txBody>
-      </p:sp>
-      <p:sp>
-        <p:nvSpPr>
-          <p:cNvPr id="3" name="Content Placeholder 2">
-            <a:extLst>
-              <a:ext uri="{FF2B5EF4-FFF2-40B4-BE49-F238E27FC236}">
-                <a16:creationId xmlns:a16="http://schemas.microsoft.com/office/drawing/2014/main" id="{5507578E-0C01-6748-AEE7-CCF629760EA9}"/>
-              </a:ext>
-            </a:extLst>
-          </p:cNvPr>
-          <p:cNvSpPr>
-            <a:spLocks noGrp="1"/>
-          </p:cNvSpPr>
-          <p:nvPr>
-            <p:ph idx="1"/>
-          </p:nvPr>
+      </p:pic>
+      <p:sp>
+        <p:nvSpPr>
+          <p:cNvPr id="6" name="TextBox 5">
+            <a:extLst>
+              <a:ext uri="{FF2B5EF4-FFF2-40B4-BE49-F238E27FC236}">
+                <a16:creationId xmlns:a16="http://schemas.microsoft.com/office/drawing/2014/main" id="{F9EA47FF-11FE-CD4E-906A-D9911AE7748A}"/>
+              </a:ext>
+            </a:extLst>
+          </p:cNvPr>
+          <p:cNvSpPr txBox="1"/>
+          <p:nvPr/>
         </p:nvSpPr>
         <p:spPr>
           <a:xfrm>
-            <a:off x="838199" y="1825625"/>
-            <a:ext cx="10791423" cy="4351338"/>
+            <a:off x="1198259" y="6121400"/>
+            <a:ext cx="9409184" cy="1092607"/>
           </a:xfrm>
+          <a:prstGeom prst="rect">
+            <a:avLst/>
+          </a:prstGeom>
+          <a:noFill/>
         </p:spPr>
         <p:txBody>
-          <a:bodyPr>
-            <a:normAutofit/>
+          <a:bodyPr wrap="square" rtlCol="0">
+            <a:spAutoFit/>
           </a:bodyPr>
           <a:lstStyle/>
           <a:p>
             <a:r>
-              <a:rPr lang="en-US" dirty="0"/>
-              <a:t>This is cool, multi-threading without all the classes and interfaces</a:t>
-            </a:r>
-          </a:p>
-          <a:p>
-            <a:r>
-              <a:rPr lang="en-US" dirty="0"/>
-              <a:t>But this syntax can be confusing, especially if you’ve never used functions as arguments before</a:t>
-            </a:r>
-          </a:p>
-          <a:p>
-            <a:pPr marL="0" indent="0">
-              <a:buNone/>
-            </a:pPr>
-            <a:endParaRPr lang="en-US" dirty="0"/>
-          </a:p>
-          <a:p>
-            <a:r>
-              <a:rPr lang="en-US" dirty="0"/>
-              <a:t>Java has ‘method references’ that point to a method</a:t>
-            </a:r>
-          </a:p>
-          <a:p>
-            <a:r>
-              <a:rPr lang="en-US" dirty="0"/>
-              <a:t>We can say: </a:t>
-            </a:r>
-            <a:r>
-              <a:rPr lang="en-US" sz="2400" dirty="0">
+              <a:rPr lang="en-US" sz="1300" dirty="0"/>
+              <a:t>The Thread constructor can take in a function, which we can declare using: </a:t>
+            </a:r>
+            <a:r>
+              <a:rPr lang="en-US" sz="1300" dirty="0">
                 <a:solidFill>
                   <a:schemeClr val="accent1">
                     <a:lumMod val="75000"/>
@@ -5860,58 +8876,51 @@
                 <a:ea typeface="Menlo" panose="020B0609030804020204" pitchFamily="49" charset="0"/>
                 <a:cs typeface="Menlo" panose="020B0609030804020204" pitchFamily="49" charset="0"/>
               </a:rPr>
-              <a:t>object</a:t>
-            </a:r>
-            <a:r>
-              <a:rPr lang="en-US" sz="2400" dirty="0">
-                <a:latin typeface="Menlo" panose="020B0609030804020204" pitchFamily="49" charset="0"/>
-                <a:ea typeface="Menlo" panose="020B0609030804020204" pitchFamily="49" charset="0"/>
-                <a:cs typeface="Menlo" panose="020B0609030804020204" pitchFamily="49" charset="0"/>
-              </a:rPr>
-              <a:t>::</a:t>
-            </a:r>
-            <a:r>
-              <a:rPr lang="en-US" sz="2400" dirty="0">
+              <a:t>() -&gt; {</a:t>
+            </a:r>
+          </a:p>
+          <a:p>
+            <a:r>
+              <a:rPr lang="en-US" sz="1300" dirty="0">
                 <a:solidFill>
-                  <a:srgbClr val="C00000"/>
+                  <a:schemeClr val="accent1">
+                    <a:lumMod val="75000"/>
+                  </a:schemeClr>
                 </a:solidFill>
                 <a:latin typeface="Menlo" panose="020B0609030804020204" pitchFamily="49" charset="0"/>
                 <a:ea typeface="Menlo" panose="020B0609030804020204" pitchFamily="49" charset="0"/>
                 <a:cs typeface="Menlo" panose="020B0609030804020204" pitchFamily="49" charset="0"/>
               </a:rPr>
-              <a:t>method</a:t>
-            </a:r>
-            <a:r>
-              <a:rPr lang="en-US" sz="2400" dirty="0">
+              <a:t>					         CODE GOES HERE</a:t>
+            </a:r>
+          </a:p>
+          <a:p>
+            <a:r>
+              <a:rPr lang="en-US" sz="1300" dirty="0">
+                <a:solidFill>
+                  <a:schemeClr val="accent1">
+                    <a:lumMod val="75000"/>
+                  </a:schemeClr>
+                </a:solidFill>
                 <a:latin typeface="Menlo" panose="020B0609030804020204" pitchFamily="49" charset="0"/>
                 <a:ea typeface="Menlo" panose="020B0609030804020204" pitchFamily="49" charset="0"/>
                 <a:cs typeface="Menlo" panose="020B0609030804020204" pitchFamily="49" charset="0"/>
               </a:rPr>
-              <a:t> </a:t>
-            </a:r>
-            <a:r>
-              <a:rPr lang="en-US" dirty="0"/>
-              <a:t>to find a method to call</a:t>
-            </a:r>
-          </a:p>
-          <a:p>
-            <a:endParaRPr lang="en-US" dirty="0"/>
-          </a:p>
-          <a:p>
-            <a:pPr marL="0" indent="0">
-              <a:buNone/>
-            </a:pPr>
-            <a:r>
-              <a:rPr lang="en-US" dirty="0"/>
-              <a:t>Lets look at how to use these, to write threads in just two lines</a:t>
-            </a:r>
+              <a:t>					     }</a:t>
+            </a:r>
+          </a:p>
+          <a:p>
+            <a:endParaRPr lang="en-US" sz="1300" dirty="0"/>
+          </a:p>
+          <a:p>
+            <a:endParaRPr lang="en-US" sz="1300" dirty="0"/>
           </a:p>
         </p:txBody>
       </p:sp>
     </p:spTree>
     <p:extLst>
       <p:ext uri="{BB962C8B-B14F-4D97-AF65-F5344CB8AC3E}">
-        <p14:creationId xmlns:p14="http://schemas.microsoft.com/office/powerpoint/2010/main" val="435935780"/>
+        <p14:creationId xmlns:p14="http://schemas.microsoft.com/office/powerpoint/2010/main" val="1251680472"/>
       </p:ext>
     </p:extLst>
   </p:cSld>
@@ -5943,7 +8952,7 @@
           <p:cNvPr id="2" name="Title 1">
             <a:extLst>
               <a:ext uri="{FF2B5EF4-FFF2-40B4-BE49-F238E27FC236}">
-                <a16:creationId xmlns:a16="http://schemas.microsoft.com/office/drawing/2014/main" id="{FA0A5DF2-0007-7040-926C-E3B586B56DF5}"/>
+                <a16:creationId xmlns:a16="http://schemas.microsoft.com/office/drawing/2014/main" id="{5CC87B04-425A-1E47-8225-4B1B5BA59D68}"/>
               </a:ext>
             </a:extLst>
           </p:cNvPr>
@@ -5987,76 +8996,117 @@
           </a:p>
         </p:txBody>
       </p:sp>
-      <p:pic>
-        <p:nvPicPr>
-          <p:cNvPr id="5" name="Content Placeholder 4" descr="Text&#10;&#10;Description automatically generated">
-            <a:extLst>
-              <a:ext uri="{FF2B5EF4-FFF2-40B4-BE49-F238E27FC236}">
-                <a16:creationId xmlns:a16="http://schemas.microsoft.com/office/drawing/2014/main" id="{45E6FD75-AED6-7F46-9D6B-4A220C1FF9D0}"/>
-              </a:ext>
-            </a:extLst>
-          </p:cNvPr>
-          <p:cNvPicPr>
-            <a:picLocks noGrp="1" noChangeAspect="1"/>
-          </p:cNvPicPr>
+      <p:sp>
+        <p:nvSpPr>
+          <p:cNvPr id="3" name="Content Placeholder 2">
+            <a:extLst>
+              <a:ext uri="{FF2B5EF4-FFF2-40B4-BE49-F238E27FC236}">
+                <a16:creationId xmlns:a16="http://schemas.microsoft.com/office/drawing/2014/main" id="{5507578E-0C01-6748-AEE7-CCF629760EA9}"/>
+              </a:ext>
+            </a:extLst>
+          </p:cNvPr>
+          <p:cNvSpPr>
+            <a:spLocks noGrp="1"/>
+          </p:cNvSpPr>
           <p:nvPr>
             <p:ph idx="1"/>
           </p:nvPr>
-        </p:nvPicPr>
-        <p:blipFill>
-          <a:blip r:embed="rId2">
-            <a:extLst>
-              <a:ext uri="{28A0092B-C50C-407E-A947-70E740481C1C}">
-                <a14:useLocalDpi xmlns:a14="http://schemas.microsoft.com/office/drawing/2010/main" val="0"/>
-              </a:ext>
-            </a:extLst>
-          </a:blip>
-          <a:stretch>
-            <a:fillRect/>
-          </a:stretch>
-        </p:blipFill>
+        </p:nvSpPr>
         <p:spPr>
           <a:xfrm>
-            <a:off x="1095778" y="1470570"/>
-            <a:ext cx="9387625" cy="5148768"/>
+            <a:off x="838199" y="1825625"/>
+            <a:ext cx="10791423" cy="4351338"/>
           </a:xfrm>
         </p:spPr>
-      </p:pic>
-      <p:sp>
-        <p:nvSpPr>
-          <p:cNvPr id="6" name="TextBox 5">
-            <a:extLst>
-              <a:ext uri="{FF2B5EF4-FFF2-40B4-BE49-F238E27FC236}">
-                <a16:creationId xmlns:a16="http://schemas.microsoft.com/office/drawing/2014/main" id="{A9138088-6D38-E446-90CB-7AA43E270A6A}"/>
-              </a:ext>
-            </a:extLst>
-          </p:cNvPr>
-          <p:cNvSpPr txBox="1"/>
-          <p:nvPr/>
-        </p:nvSpPr>
-        <p:spPr>
-          <a:xfrm>
-            <a:off x="6168980" y="5537915"/>
-            <a:ext cx="4314423" cy="646331"/>
-          </a:xfrm>
-          <a:prstGeom prst="rect">
-            <a:avLst/>
-          </a:prstGeom>
-          <a:noFill/>
-        </p:spPr>
-        <p:txBody>
-          <a:bodyPr wrap="square" rtlCol="0">
-            <a:spAutoFit/>
+        <p:txBody>
+          <a:bodyPr>
+            <a:normAutofit/>
           </a:bodyPr>
           <a:lstStyle/>
           <a:p>
             <a:r>
-              <a:rPr lang="en-US" dirty="0">
+              <a:rPr lang="en-US" dirty="0"/>
+              <a:t>This is cool, multi-threading without all the classes and interfaces</a:t>
+            </a:r>
+          </a:p>
+          <a:p>
+            <a:r>
+              <a:rPr lang="en-US" dirty="0"/>
+              <a:t>But this syntax can be confusing, especially if you’ve never used functions as arguments before</a:t>
+            </a:r>
+          </a:p>
+          <a:p>
+            <a:pPr marL="0" indent="0">
+              <a:buNone/>
+            </a:pPr>
+            <a:endParaRPr lang="en-US" dirty="0"/>
+          </a:p>
+          <a:p>
+            <a:r>
+              <a:rPr lang="en-US" dirty="0"/>
+              <a:t>Java has ‘method references’ that point to a method</a:t>
+            </a:r>
+          </a:p>
+          <a:p>
+            <a:r>
+              <a:rPr lang="en-US" dirty="0"/>
+              <a:t>We can say: </a:t>
+            </a:r>
+            <a:r>
+              <a:rPr lang="en-US" sz="2400" dirty="0">
                 <a:solidFill>
-                  <a:schemeClr val="bg1"/>
+                  <a:schemeClr val="accent1">
+                    <a:lumMod val="75000"/>
+                  </a:schemeClr>
                 </a:solidFill>
+                <a:latin typeface="Menlo" panose="020B0609030804020204" pitchFamily="49" charset="0"/>
+                <a:ea typeface="Menlo" panose="020B0609030804020204" pitchFamily="49" charset="0"/>
+                <a:cs typeface="Menlo" panose="020B0609030804020204" pitchFamily="49" charset="0"/>
               </a:rPr>
-              <a:t>Note that this method doesn’t return anything, and has no parameters!</a:t>
+              <a:t>object</a:t>
+            </a:r>
+            <a:r>
+              <a:rPr lang="en-US" sz="2400" dirty="0">
+                <a:latin typeface="Menlo" panose="020B0609030804020204" pitchFamily="49" charset="0"/>
+                <a:ea typeface="Menlo" panose="020B0609030804020204" pitchFamily="49" charset="0"/>
+                <a:cs typeface="Menlo" panose="020B0609030804020204" pitchFamily="49" charset="0"/>
+              </a:rPr>
+              <a:t>::</a:t>
+            </a:r>
+            <a:r>
+              <a:rPr lang="en-US" sz="2400" dirty="0">
+                <a:solidFill>
+                  <a:srgbClr val="C00000"/>
+                </a:solidFill>
+                <a:latin typeface="Menlo" panose="020B0609030804020204" pitchFamily="49" charset="0"/>
+                <a:ea typeface="Menlo" panose="020B0609030804020204" pitchFamily="49" charset="0"/>
+                <a:cs typeface="Menlo" panose="020B0609030804020204" pitchFamily="49" charset="0"/>
+              </a:rPr>
+              <a:t>method</a:t>
+            </a:r>
+            <a:r>
+              <a:rPr lang="en-US" sz="2400" dirty="0">
+                <a:latin typeface="Menlo" panose="020B0609030804020204" pitchFamily="49" charset="0"/>
+                <a:ea typeface="Menlo" panose="020B0609030804020204" pitchFamily="49" charset="0"/>
+                <a:cs typeface="Menlo" panose="020B0609030804020204" pitchFamily="49" charset="0"/>
+              </a:rPr>
+              <a:t> </a:t>
+            </a:r>
+            <a:r>
+              <a:rPr lang="en-US" dirty="0"/>
+              <a:t>to find a method to call</a:t>
+            </a:r>
+          </a:p>
+          <a:p>
+            <a:endParaRPr lang="en-US" dirty="0"/>
+          </a:p>
+          <a:p>
+            <a:pPr marL="0" indent="0">
+              <a:buNone/>
+            </a:pPr>
+            <a:r>
+              <a:rPr lang="en-US" dirty="0"/>
+              <a:t>Lets look at how to use these, to write threads in just two lines</a:t>
             </a:r>
           </a:p>
         </p:txBody>
@@ -6064,7 +9114,7 @@
     </p:spTree>
     <p:extLst>
       <p:ext uri="{BB962C8B-B14F-4D97-AF65-F5344CB8AC3E}">
-        <p14:creationId xmlns:p14="http://schemas.microsoft.com/office/powerpoint/2010/main" val="2569717749"/>
+        <p14:creationId xmlns:p14="http://schemas.microsoft.com/office/powerpoint/2010/main" val="435935780"/>
       </p:ext>
     </p:extLst>
   </p:cSld>
@@ -6096,7 +9146,7 @@
           <p:cNvPr id="2" name="Title 1">
             <a:extLst>
               <a:ext uri="{FF2B5EF4-FFF2-40B4-BE49-F238E27FC236}">
-                <a16:creationId xmlns:a16="http://schemas.microsoft.com/office/drawing/2014/main" id="{9EB192D0-E7C8-8240-836D-B84BCBBEB683}"/>
+                <a16:creationId xmlns:a16="http://schemas.microsoft.com/office/drawing/2014/main" id="{FA0A5DF2-0007-7040-926C-E3B586B56DF5}"/>
               </a:ext>
             </a:extLst>
           </p:cNvPr>
@@ -6105,235 +9155,111 @@
           </p:cNvSpPr>
           <p:nvPr>
             <p:ph type="title"/>
-          </p:nvPr>
-        </p:nvSpPr>
-        <p:spPr/>
-        <p:txBody>
-          <a:bodyPr/>
-          <a:lstStyle/>
-          <a:p>
-            <a:r>
-              <a:rPr lang="en-US" dirty="0"/>
-              <a:t>Advantages and Disadvantages</a:t>
-            </a:r>
-          </a:p>
-        </p:txBody>
-      </p:sp>
-      <p:sp>
-        <p:nvSpPr>
-          <p:cNvPr id="3" name="Content Placeholder 2">
-            <a:extLst>
-              <a:ext uri="{FF2B5EF4-FFF2-40B4-BE49-F238E27FC236}">
-                <a16:creationId xmlns:a16="http://schemas.microsoft.com/office/drawing/2014/main" id="{B600AF9E-8312-2145-84FF-BBE558BEABA4}"/>
-              </a:ext>
-            </a:extLst>
-          </p:cNvPr>
-          <p:cNvSpPr>
-            <a:spLocks noGrp="1"/>
-          </p:cNvSpPr>
-          <p:nvPr>
-            <p:ph idx="1"/>
           </p:nvPr>
         </p:nvSpPr>
         <p:spPr>
           <a:xfrm>
-            <a:off x="838200" y="1825625"/>
-            <a:ext cx="10515600" cy="4227446"/>
+            <a:off x="838200" y="12700"/>
+            <a:ext cx="11353800" cy="1325563"/>
           </a:xfrm>
         </p:spPr>
         <p:txBody>
-          <a:bodyPr>
-            <a:normAutofit lnSpcReduction="10000"/>
+          <a:bodyPr/>
+          <a:lstStyle/>
+          <a:p>
+            <a:r>
+              <a:rPr lang="en-US" dirty="0"/>
+              <a:t>Threads for </a:t>
+            </a:r>
+            <a:r>
+              <a:rPr lang="en-US" strike="sngStrike" dirty="0"/>
+              <a:t>Dummies</a:t>
+            </a:r>
+            <a:r>
+              <a:rPr lang="en-US" dirty="0"/>
+              <a:t> </a:t>
+            </a:r>
+            <a:r>
+              <a:rPr lang="en-US" strike="sngStrike" dirty="0"/>
+              <a:t>Professionals</a:t>
+            </a:r>
+            <a:r>
+              <a:rPr lang="en-US" dirty="0"/>
+              <a:t> Experts</a:t>
+            </a:r>
+          </a:p>
+        </p:txBody>
+      </p:sp>
+      <p:pic>
+        <p:nvPicPr>
+          <p:cNvPr id="5" name="Content Placeholder 4" descr="Text&#10;&#10;Description automatically generated">
+            <a:extLst>
+              <a:ext uri="{FF2B5EF4-FFF2-40B4-BE49-F238E27FC236}">
+                <a16:creationId xmlns:a16="http://schemas.microsoft.com/office/drawing/2014/main" id="{45E6FD75-AED6-7F46-9D6B-4A220C1FF9D0}"/>
+              </a:ext>
+            </a:extLst>
+          </p:cNvPr>
+          <p:cNvPicPr>
+            <a:picLocks noGrp="1" noChangeAspect="1"/>
+          </p:cNvPicPr>
+          <p:nvPr>
+            <p:ph idx="1"/>
+          </p:nvPr>
+        </p:nvPicPr>
+        <p:blipFill>
+          <a:blip r:embed="rId2">
+            <a:extLst>
+              <a:ext uri="{28A0092B-C50C-407E-A947-70E740481C1C}">
+                <a14:useLocalDpi xmlns:a14="http://schemas.microsoft.com/office/drawing/2010/main" val="0"/>
+              </a:ext>
+            </a:extLst>
+          </a:blip>
+          <a:stretch>
+            <a:fillRect/>
+          </a:stretch>
+        </p:blipFill>
+        <p:spPr>
+          <a:xfrm>
+            <a:off x="1095778" y="1470570"/>
+            <a:ext cx="9387625" cy="5148768"/>
+          </a:xfrm>
+        </p:spPr>
+      </p:pic>
+      <p:sp>
+        <p:nvSpPr>
+          <p:cNvPr id="6" name="TextBox 5">
+            <a:extLst>
+              <a:ext uri="{FF2B5EF4-FFF2-40B4-BE49-F238E27FC236}">
+                <a16:creationId xmlns:a16="http://schemas.microsoft.com/office/drawing/2014/main" id="{A9138088-6D38-E446-90CB-7AA43E270A6A}"/>
+              </a:ext>
+            </a:extLst>
+          </p:cNvPr>
+          <p:cNvSpPr txBox="1"/>
+          <p:nvPr/>
+        </p:nvSpPr>
+        <p:spPr>
+          <a:xfrm>
+            <a:off x="6168980" y="5537915"/>
+            <a:ext cx="4314423" cy="646331"/>
+          </a:xfrm>
+          <a:prstGeom prst="rect">
+            <a:avLst/>
+          </a:prstGeom>
+          <a:noFill/>
+        </p:spPr>
+        <p:txBody>
+          <a:bodyPr wrap="square" rtlCol="0">
+            <a:spAutoFit/>
           </a:bodyPr>
           <a:lstStyle/>
           <a:p>
             <a:r>
-              <a:rPr lang="en-US" dirty="0"/>
-              <a:t>We don’t have to write a new inner class, which overrides run, and has it’s own properties when it needs to</a:t>
-            </a:r>
-          </a:p>
-          <a:p>
-            <a:r>
-              <a:rPr lang="en-US" dirty="0"/>
-              <a:t>We simply write a method as usual, and use it like so</a:t>
-            </a:r>
-          </a:p>
-          <a:p>
-            <a:pPr marL="0" indent="0">
-              <a:buNone/>
-            </a:pPr>
-            <a:endParaRPr lang="en-US" dirty="0"/>
-          </a:p>
-          <a:p>
-            <a:pPr marL="0" indent="0">
-              <a:buNone/>
-            </a:pPr>
-            <a:r>
-              <a:rPr lang="en-US" sz="2200" dirty="0">
-                <a:latin typeface="Menlo" panose="020B0609030804020204" pitchFamily="49" charset="0"/>
-                <a:ea typeface="Menlo" panose="020B0609030804020204" pitchFamily="49" charset="0"/>
-                <a:cs typeface="Menlo" panose="020B0609030804020204" pitchFamily="49" charset="0"/>
+              <a:rPr lang="en-US" dirty="0">
+                <a:solidFill>
+                  <a:schemeClr val="bg1"/>
+                </a:solidFill>
               </a:rPr>
-              <a:t>Thread</a:t>
-            </a:r>
-            <a:r>
-              <a:rPr lang="en-US" sz="2200" dirty="0">
-                <a:solidFill>
-                  <a:schemeClr val="accent2">
-                    <a:lumMod val="75000"/>
-                  </a:schemeClr>
-                </a:solidFill>
-                <a:latin typeface="Menlo" panose="020B0609030804020204" pitchFamily="49" charset="0"/>
-                <a:ea typeface="Menlo" panose="020B0609030804020204" pitchFamily="49" charset="0"/>
-                <a:cs typeface="Menlo" panose="020B0609030804020204" pitchFamily="49" charset="0"/>
-              </a:rPr>
-              <a:t> thread </a:t>
-            </a:r>
-            <a:r>
-              <a:rPr lang="en-US" sz="2200" dirty="0">
-                <a:latin typeface="Menlo" panose="020B0609030804020204" pitchFamily="49" charset="0"/>
-                <a:ea typeface="Menlo" panose="020B0609030804020204" pitchFamily="49" charset="0"/>
-                <a:cs typeface="Menlo" panose="020B0609030804020204" pitchFamily="49" charset="0"/>
-              </a:rPr>
-              <a:t>=</a:t>
-            </a:r>
-            <a:r>
-              <a:rPr lang="en-US" sz="2200" dirty="0">
-                <a:solidFill>
-                  <a:schemeClr val="accent2">
-                    <a:lumMod val="75000"/>
-                  </a:schemeClr>
-                </a:solidFill>
-                <a:latin typeface="Menlo" panose="020B0609030804020204" pitchFamily="49" charset="0"/>
-                <a:ea typeface="Menlo" panose="020B0609030804020204" pitchFamily="49" charset="0"/>
-                <a:cs typeface="Menlo" panose="020B0609030804020204" pitchFamily="49" charset="0"/>
-              </a:rPr>
-              <a:t> new </a:t>
-            </a:r>
-            <a:r>
-              <a:rPr lang="en-US" sz="2200" dirty="0">
-                <a:latin typeface="Menlo" panose="020B0609030804020204" pitchFamily="49" charset="0"/>
-                <a:ea typeface="Menlo" panose="020B0609030804020204" pitchFamily="49" charset="0"/>
-                <a:cs typeface="Menlo" panose="020B0609030804020204" pitchFamily="49" charset="0"/>
-              </a:rPr>
-              <a:t>Thread(</a:t>
-            </a:r>
-            <a:r>
-              <a:rPr lang="en-US" sz="2200" dirty="0">
-                <a:solidFill>
-                  <a:schemeClr val="accent2">
-                    <a:lumMod val="75000"/>
-                  </a:schemeClr>
-                </a:solidFill>
-                <a:latin typeface="Menlo" panose="020B0609030804020204" pitchFamily="49" charset="0"/>
-                <a:ea typeface="Menlo" panose="020B0609030804020204" pitchFamily="49" charset="0"/>
-                <a:cs typeface="Menlo" panose="020B0609030804020204" pitchFamily="49" charset="0"/>
-              </a:rPr>
-              <a:t>this</a:t>
-            </a:r>
-            <a:r>
-              <a:rPr lang="en-US" sz="2200" dirty="0">
-                <a:latin typeface="Menlo" panose="020B0609030804020204" pitchFamily="49" charset="0"/>
-                <a:ea typeface="Menlo" panose="020B0609030804020204" pitchFamily="49" charset="0"/>
-                <a:cs typeface="Menlo" panose="020B0609030804020204" pitchFamily="49" charset="0"/>
-              </a:rPr>
-              <a:t>::</a:t>
-            </a:r>
-            <a:r>
-              <a:rPr lang="en-US" sz="2200" dirty="0" err="1">
-                <a:solidFill>
-                  <a:schemeClr val="accent1">
-                    <a:lumMod val="75000"/>
-                  </a:schemeClr>
-                </a:solidFill>
-                <a:latin typeface="Menlo" panose="020B0609030804020204" pitchFamily="49" charset="0"/>
-                <a:ea typeface="Menlo" panose="020B0609030804020204" pitchFamily="49" charset="0"/>
-                <a:cs typeface="Menlo" panose="020B0609030804020204" pitchFamily="49" charset="0"/>
-              </a:rPr>
-              <a:t>myMethod</a:t>
-            </a:r>
-            <a:r>
-              <a:rPr lang="en-US" sz="2200" dirty="0">
-                <a:latin typeface="Menlo" panose="020B0609030804020204" pitchFamily="49" charset="0"/>
-                <a:ea typeface="Menlo" panose="020B0609030804020204" pitchFamily="49" charset="0"/>
-                <a:cs typeface="Menlo" panose="020B0609030804020204" pitchFamily="49" charset="0"/>
-              </a:rPr>
-              <a:t>);</a:t>
-            </a:r>
-          </a:p>
-          <a:p>
-            <a:pPr marL="0" indent="0">
-              <a:buNone/>
-            </a:pPr>
-            <a:r>
-              <a:rPr lang="en-US" sz="2200" dirty="0" err="1">
-                <a:solidFill>
-                  <a:schemeClr val="accent2">
-                    <a:lumMod val="75000"/>
-                  </a:schemeClr>
-                </a:solidFill>
-                <a:latin typeface="Menlo" panose="020B0609030804020204" pitchFamily="49" charset="0"/>
-                <a:ea typeface="Menlo" panose="020B0609030804020204" pitchFamily="49" charset="0"/>
-                <a:cs typeface="Menlo" panose="020B0609030804020204" pitchFamily="49" charset="0"/>
-              </a:rPr>
-              <a:t>thread</a:t>
-            </a:r>
-            <a:r>
-              <a:rPr lang="en-US" sz="2200" dirty="0" err="1">
-                <a:latin typeface="Menlo" panose="020B0609030804020204" pitchFamily="49" charset="0"/>
-                <a:ea typeface="Menlo" panose="020B0609030804020204" pitchFamily="49" charset="0"/>
-                <a:cs typeface="Menlo" panose="020B0609030804020204" pitchFamily="49" charset="0"/>
-              </a:rPr>
-              <a:t>.</a:t>
-            </a:r>
-            <a:r>
-              <a:rPr lang="en-US" sz="2200" dirty="0" err="1">
-                <a:solidFill>
-                  <a:schemeClr val="accent1">
-                    <a:lumMod val="75000"/>
-                  </a:schemeClr>
-                </a:solidFill>
-                <a:latin typeface="Menlo" panose="020B0609030804020204" pitchFamily="49" charset="0"/>
-                <a:ea typeface="Menlo" panose="020B0609030804020204" pitchFamily="49" charset="0"/>
-                <a:cs typeface="Menlo" panose="020B0609030804020204" pitchFamily="49" charset="0"/>
-              </a:rPr>
-              <a:t>start</a:t>
-            </a:r>
-            <a:r>
-              <a:rPr lang="en-US" sz="2200" dirty="0">
-                <a:solidFill>
-                  <a:schemeClr val="accent1">
-                    <a:lumMod val="75000"/>
-                  </a:schemeClr>
-                </a:solidFill>
-                <a:latin typeface="Menlo" panose="020B0609030804020204" pitchFamily="49" charset="0"/>
-                <a:ea typeface="Menlo" panose="020B0609030804020204" pitchFamily="49" charset="0"/>
-                <a:cs typeface="Menlo" panose="020B0609030804020204" pitchFamily="49" charset="0"/>
-              </a:rPr>
-              <a:t>()</a:t>
-            </a:r>
-          </a:p>
-          <a:p>
-            <a:pPr marL="0" indent="0">
-              <a:buNone/>
-            </a:pPr>
-            <a:endParaRPr lang="en-US" dirty="0">
-              <a:solidFill>
-                <a:schemeClr val="accent1">
-                  <a:lumMod val="75000"/>
-                </a:schemeClr>
-              </a:solidFill>
-              <a:latin typeface="Menlo" panose="020B0609030804020204" pitchFamily="49" charset="0"/>
-              <a:ea typeface="Menlo" panose="020B0609030804020204" pitchFamily="49" charset="0"/>
-              <a:cs typeface="Menlo" panose="020B0609030804020204" pitchFamily="49" charset="0"/>
-            </a:endParaRPr>
-          </a:p>
-          <a:p>
-            <a:r>
-              <a:rPr lang="en-US" dirty="0">
-                <a:ea typeface="Menlo" panose="020B0609030804020204" pitchFamily="49" charset="0"/>
-              </a:rPr>
-              <a:t>However, if this is confusing, don’t worry about it, but it can make threads a lot simpler to think about as they are now just methods that run in parallel</a:t>
+              <a:t>Note that this method doesn’t return anything, and has no parameters!</a:t>
             </a:r>
           </a:p>
         </p:txBody>
@@ -6341,7 +9267,7 @@
     </p:spTree>
     <p:extLst>
       <p:ext uri="{BB962C8B-B14F-4D97-AF65-F5344CB8AC3E}">
-        <p14:creationId xmlns:p14="http://schemas.microsoft.com/office/powerpoint/2010/main" val="1336573373"/>
+        <p14:creationId xmlns:p14="http://schemas.microsoft.com/office/powerpoint/2010/main" val="2569717749"/>
       </p:ext>
     </p:extLst>
   </p:cSld>
@@ -6373,7 +9299,7 @@
           <p:cNvPr id="2" name="Title 1">
             <a:extLst>
               <a:ext uri="{FF2B5EF4-FFF2-40B4-BE49-F238E27FC236}">
-                <a16:creationId xmlns:a16="http://schemas.microsoft.com/office/drawing/2014/main" id="{4CC3CDDE-E0D3-F444-8FE1-4B1130CC087F}"/>
+                <a16:creationId xmlns:a16="http://schemas.microsoft.com/office/drawing/2014/main" id="{9EB192D0-E7C8-8240-836D-B84BCBBEB683}"/>
               </a:ext>
             </a:extLst>
           </p:cNvPr>
@@ -6391,7 +9317,7 @@
           <a:p>
             <a:r>
               <a:rPr lang="en-US" dirty="0"/>
-              <a:t>Source Code</a:t>
+              <a:t>Advantages and Disadvantages</a:t>
             </a:r>
           </a:p>
         </p:txBody>
@@ -6401,7 +9327,7 @@
           <p:cNvPr id="3" name="Content Placeholder 2">
             <a:extLst>
               <a:ext uri="{FF2B5EF4-FFF2-40B4-BE49-F238E27FC236}">
-                <a16:creationId xmlns:a16="http://schemas.microsoft.com/office/drawing/2014/main" id="{5BE0A691-01F5-914D-9CEE-A9145CC2BFBC}"/>
+                <a16:creationId xmlns:a16="http://schemas.microsoft.com/office/drawing/2014/main" id="{B600AF9E-8312-2145-84FF-BBE558BEABA4}"/>
               </a:ext>
             </a:extLst>
           </p:cNvPr>
@@ -6412,17 +9338,27 @@
             <p:ph idx="1"/>
           </p:nvPr>
         </p:nvSpPr>
-        <p:spPr/>
-        <p:txBody>
-          <a:bodyPr/>
-          <a:lstStyle/>
-          <a:p>
-            <a:pPr marL="0" indent="0">
-              <a:buNone/>
-            </a:pPr>
+        <p:spPr>
+          <a:xfrm>
+            <a:off x="838200" y="1825625"/>
+            <a:ext cx="10515600" cy="4227446"/>
+          </a:xfrm>
+        </p:spPr>
+        <p:txBody>
+          <a:bodyPr>
+            <a:normAutofit lnSpcReduction="10000"/>
+          </a:bodyPr>
+          <a:lstStyle/>
+          <a:p>
             <a:r>
               <a:rPr lang="en-US" dirty="0"/>
-              <a:t>The examples and a short description of method referencing can be found at:</a:t>
+              <a:t>We don’t have to write a new inner class, which overrides run, and has it’s own properties when it needs to</a:t>
+            </a:r>
+          </a:p>
+          <a:p>
+            <a:r>
+              <a:rPr lang="en-US" dirty="0"/>
+              <a:t>We simply write a method as usual, and use it like so</a:t>
             </a:r>
           </a:p>
           <a:p>
@@ -6436,38 +9372,179 @@
               <a:buNone/>
             </a:pPr>
             <a:r>
-              <a:rPr lang="en-US" dirty="0"/>
-              <a:t>	</a:t>
-            </a:r>
+              <a:rPr lang="en-US" sz="2200" dirty="0">
+                <a:latin typeface="Menlo" panose="020B0609030804020204" pitchFamily="49" charset="0"/>
+                <a:ea typeface="Menlo" panose="020B0609030804020204" pitchFamily="49" charset="0"/>
+                <a:cs typeface="Menlo" panose="020B0609030804020204" pitchFamily="49" charset="0"/>
+              </a:rPr>
+              <a:t>Thread</a:t>
+            </a:r>
+            <a:r>
+              <a:rPr lang="en-US" sz="2200" dirty="0">
+                <a:solidFill>
+                  <a:schemeClr val="accent2">
+                    <a:lumMod val="75000"/>
+                  </a:schemeClr>
+                </a:solidFill>
+                <a:latin typeface="Menlo" panose="020B0609030804020204" pitchFamily="49" charset="0"/>
+                <a:ea typeface="Menlo" panose="020B0609030804020204" pitchFamily="49" charset="0"/>
+                <a:cs typeface="Menlo" panose="020B0609030804020204" pitchFamily="49" charset="0"/>
+              </a:rPr>
+              <a:t> thread </a:t>
+            </a:r>
+            <a:r>
+              <a:rPr lang="en-US" sz="2200" dirty="0">
+                <a:latin typeface="Menlo" panose="020B0609030804020204" pitchFamily="49" charset="0"/>
+                <a:ea typeface="Menlo" panose="020B0609030804020204" pitchFamily="49" charset="0"/>
+                <a:cs typeface="Menlo" panose="020B0609030804020204" pitchFamily="49" charset="0"/>
+              </a:rPr>
+              <a:t>=</a:t>
+            </a:r>
+            <a:r>
+              <a:rPr lang="en-US" sz="2200" dirty="0">
+                <a:solidFill>
+                  <a:schemeClr val="accent2">
+                    <a:lumMod val="75000"/>
+                  </a:schemeClr>
+                </a:solidFill>
+                <a:latin typeface="Menlo" panose="020B0609030804020204" pitchFamily="49" charset="0"/>
+                <a:ea typeface="Menlo" panose="020B0609030804020204" pitchFamily="49" charset="0"/>
+                <a:cs typeface="Menlo" panose="020B0609030804020204" pitchFamily="49" charset="0"/>
+              </a:rPr>
+              <a:t> new </a:t>
+            </a:r>
+            <a:r>
+              <a:rPr lang="en-US" sz="2200" dirty="0">
+                <a:latin typeface="Menlo" panose="020B0609030804020204" pitchFamily="49" charset="0"/>
+                <a:ea typeface="Menlo" panose="020B0609030804020204" pitchFamily="49" charset="0"/>
+                <a:cs typeface="Menlo" panose="020B0609030804020204" pitchFamily="49" charset="0"/>
+              </a:rPr>
+              <a:t>Thread(</a:t>
+            </a:r>
+            <a:r>
+              <a:rPr lang="en-US" sz="2200" dirty="0">
+                <a:solidFill>
+                  <a:schemeClr val="accent2">
+                    <a:lumMod val="75000"/>
+                  </a:schemeClr>
+                </a:solidFill>
+                <a:latin typeface="Menlo" panose="020B0609030804020204" pitchFamily="49" charset="0"/>
+                <a:ea typeface="Menlo" panose="020B0609030804020204" pitchFamily="49" charset="0"/>
+                <a:cs typeface="Menlo" panose="020B0609030804020204" pitchFamily="49" charset="0"/>
+              </a:rPr>
+              <a:t>this</a:t>
+            </a:r>
+            <a:r>
+              <a:rPr lang="en-US" sz="2200" dirty="0">
+                <a:latin typeface="Menlo" panose="020B0609030804020204" pitchFamily="49" charset="0"/>
+                <a:ea typeface="Menlo" panose="020B0609030804020204" pitchFamily="49" charset="0"/>
+                <a:cs typeface="Menlo" panose="020B0609030804020204" pitchFamily="49" charset="0"/>
+              </a:rPr>
+              <a:t>::</a:t>
+            </a:r>
+            <a:r>
+              <a:rPr lang="en-US" sz="2200" dirty="0" err="1">
+                <a:solidFill>
+                  <a:schemeClr val="accent1">
+                    <a:lumMod val="75000"/>
+                  </a:schemeClr>
+                </a:solidFill>
+                <a:latin typeface="Menlo" panose="020B0609030804020204" pitchFamily="49" charset="0"/>
+                <a:ea typeface="Menlo" panose="020B0609030804020204" pitchFamily="49" charset="0"/>
+                <a:cs typeface="Menlo" panose="020B0609030804020204" pitchFamily="49" charset="0"/>
+              </a:rPr>
+              <a:t>myMethod</a:t>
+            </a:r>
+            <a:r>
+              <a:rPr lang="en-US" sz="2200" dirty="0">
+                <a:latin typeface="Menlo" panose="020B0609030804020204" pitchFamily="49" charset="0"/>
+                <a:ea typeface="Menlo" panose="020B0609030804020204" pitchFamily="49" charset="0"/>
+                <a:cs typeface="Menlo" panose="020B0609030804020204" pitchFamily="49" charset="0"/>
+              </a:rPr>
+              <a:t>);</a:t>
+            </a:r>
+          </a:p>
+          <a:p>
+            <a:pPr marL="0" indent="0">
+              <a:buNone/>
+            </a:pPr>
+            <a:r>
+              <a:rPr lang="en-US" sz="2200" dirty="0" err="1">
+                <a:solidFill>
+                  <a:schemeClr val="accent2">
+                    <a:lumMod val="75000"/>
+                  </a:schemeClr>
+                </a:solidFill>
+                <a:latin typeface="Menlo" panose="020B0609030804020204" pitchFamily="49" charset="0"/>
+                <a:ea typeface="Menlo" panose="020B0609030804020204" pitchFamily="49" charset="0"/>
+                <a:cs typeface="Menlo" panose="020B0609030804020204" pitchFamily="49" charset="0"/>
+              </a:rPr>
+              <a:t>thread</a:t>
+            </a:r>
+            <a:r>
+              <a:rPr lang="en-US" sz="2200" dirty="0" err="1">
+                <a:latin typeface="Menlo" panose="020B0609030804020204" pitchFamily="49" charset="0"/>
+                <a:ea typeface="Menlo" panose="020B0609030804020204" pitchFamily="49" charset="0"/>
+                <a:cs typeface="Menlo" panose="020B0609030804020204" pitchFamily="49" charset="0"/>
+              </a:rPr>
+              <a:t>.</a:t>
+            </a:r>
+            <a:r>
+              <a:rPr lang="en-US" sz="2200" dirty="0" err="1">
+                <a:solidFill>
+                  <a:schemeClr val="accent1">
+                    <a:lumMod val="75000"/>
+                  </a:schemeClr>
+                </a:solidFill>
+                <a:latin typeface="Menlo" panose="020B0609030804020204" pitchFamily="49" charset="0"/>
+                <a:ea typeface="Menlo" panose="020B0609030804020204" pitchFamily="49" charset="0"/>
+                <a:cs typeface="Menlo" panose="020B0609030804020204" pitchFamily="49" charset="0"/>
+              </a:rPr>
+              <a:t>start</a:t>
+            </a:r>
+            <a:r>
+              <a:rPr lang="en-US" sz="2200" dirty="0">
+                <a:solidFill>
+                  <a:schemeClr val="accent1">
+                    <a:lumMod val="75000"/>
+                  </a:schemeClr>
+                </a:solidFill>
+                <a:latin typeface="Menlo" panose="020B0609030804020204" pitchFamily="49" charset="0"/>
+                <a:ea typeface="Menlo" panose="020B0609030804020204" pitchFamily="49" charset="0"/>
+                <a:cs typeface="Menlo" panose="020B0609030804020204" pitchFamily="49" charset="0"/>
+              </a:rPr>
+              <a:t>()</a:t>
+            </a:r>
+          </a:p>
+          <a:p>
+            <a:pPr marL="0" indent="0">
+              <a:buNone/>
+            </a:pPr>
+            <a:endParaRPr lang="en-US" dirty="0">
+              <a:solidFill>
+                <a:schemeClr val="accent1">
+                  <a:lumMod val="75000"/>
+                </a:schemeClr>
+              </a:solidFill>
+              <a:latin typeface="Menlo" panose="020B0609030804020204" pitchFamily="49" charset="0"/>
+              <a:ea typeface="Menlo" panose="020B0609030804020204" pitchFamily="49" charset="0"/>
+              <a:cs typeface="Menlo" panose="020B0609030804020204" pitchFamily="49" charset="0"/>
+            </a:endParaRPr>
+          </a:p>
+          <a:p>
             <a:r>
               <a:rPr lang="en-US" dirty="0">
-                <a:hlinkClick r:id="rId2"/>
+                <a:ea typeface="Menlo" panose="020B0609030804020204" pitchFamily="49" charset="0"/>
               </a:rPr>
-              <a:t>https://github.com/jakedves/PAL-Threading-Java</a:t>
-            </a:r>
-            <a:r>
-              <a:rPr lang="en-US" dirty="0"/>
-              <a:t> </a:t>
-            </a:r>
-          </a:p>
-          <a:p>
-            <a:pPr marL="0" indent="0">
-              <a:buNone/>
-            </a:pPr>
-            <a:endParaRPr lang="en-US" dirty="0"/>
-          </a:p>
-          <a:p>
-            <a:pPr marL="0" indent="0">
-              <a:buNone/>
-            </a:pPr>
-            <a:endParaRPr lang="en-US" dirty="0"/>
+              <a:t>However, if this is confusing, don’t worry about it, but it can make threads a lot simpler to think about as they are now just methods that run in parallel</a:t>
+            </a:r>
           </a:p>
         </p:txBody>
       </p:sp>
     </p:spTree>
     <p:extLst>
       <p:ext uri="{BB962C8B-B14F-4D97-AF65-F5344CB8AC3E}">
-        <p14:creationId xmlns:p14="http://schemas.microsoft.com/office/powerpoint/2010/main" val="2748948622"/>
+        <p14:creationId xmlns:p14="http://schemas.microsoft.com/office/powerpoint/2010/main" val="1336573373"/>
       </p:ext>
     </p:extLst>
   </p:cSld>
@@ -6773,6 +9850,267 @@
 </file>
 
 <file path=ppt/theme/theme2.xml><?xml version="1.0" encoding="utf-8"?>
+<a:theme xmlns:a="http://schemas.openxmlformats.org/drawingml/2006/main" name="Teal_no_shapes_both">
+  <a:themeElements>
+    <a:clrScheme name="Office">
+      <a:dk1>
+        <a:sysClr val="windowText" lastClr="000000"/>
+      </a:dk1>
+      <a:lt1>
+        <a:sysClr val="window" lastClr="FFFFFF"/>
+      </a:lt1>
+      <a:dk2>
+        <a:srgbClr val="44546A"/>
+      </a:dk2>
+      <a:lt2>
+        <a:srgbClr val="E7E6E6"/>
+      </a:lt2>
+      <a:accent1>
+        <a:srgbClr val="5B9BD5"/>
+      </a:accent1>
+      <a:accent2>
+        <a:srgbClr val="ED7D31"/>
+      </a:accent2>
+      <a:accent3>
+        <a:srgbClr val="A5A5A5"/>
+      </a:accent3>
+      <a:accent4>
+        <a:srgbClr val="FFC000"/>
+      </a:accent4>
+      <a:accent5>
+        <a:srgbClr val="4472C4"/>
+      </a:accent5>
+      <a:accent6>
+        <a:srgbClr val="70AD47"/>
+      </a:accent6>
+      <a:hlink>
+        <a:srgbClr val="0563C1"/>
+      </a:hlink>
+      <a:folHlink>
+        <a:srgbClr val="954F72"/>
+      </a:folHlink>
+    </a:clrScheme>
+    <a:fontScheme name="Office">
+      <a:majorFont>
+        <a:latin typeface="Calibri Light" panose="020F0302020204030204"/>
+        <a:ea typeface=""/>
+        <a:cs typeface=""/>
+        <a:font script="Jpan" typeface="ＭＳ Ｐゴシック"/>
+        <a:font script="Hang" typeface="맑은 고딕"/>
+        <a:font script="Hans" typeface="宋体"/>
+        <a:font script="Hant" typeface="新細明體"/>
+        <a:font script="Arab" typeface="Times New Roman"/>
+        <a:font script="Hebr" typeface="Times New Roman"/>
+        <a:font script="Thai" typeface="Angsana New"/>
+        <a:font script="Ethi" typeface="Nyala"/>
+        <a:font script="Beng" typeface="Vrinda"/>
+        <a:font script="Gujr" typeface="Shruti"/>
+        <a:font script="Khmr" typeface="MoolBoran"/>
+        <a:font script="Knda" typeface="Tunga"/>
+        <a:font script="Guru" typeface="Raavi"/>
+        <a:font script="Cans" typeface="Euphemia"/>
+        <a:font script="Cher" typeface="Plantagenet Cherokee"/>
+        <a:font script="Yiii" typeface="Microsoft Yi Baiti"/>
+        <a:font script="Tibt" typeface="Microsoft Himalaya"/>
+        <a:font script="Thaa" typeface="MV Boli"/>
+        <a:font script="Deva" typeface="Mangal"/>
+        <a:font script="Telu" typeface="Gautami"/>
+        <a:font script="Taml" typeface="Latha"/>
+        <a:font script="Syrc" typeface="Estrangelo Edessa"/>
+        <a:font script="Orya" typeface="Kalinga"/>
+        <a:font script="Mlym" typeface="Kartika"/>
+        <a:font script="Laoo" typeface="DokChampa"/>
+        <a:font script="Sinh" typeface="Iskoola Pota"/>
+        <a:font script="Mong" typeface="Mongolian Baiti"/>
+        <a:font script="Viet" typeface="Times New Roman"/>
+        <a:font script="Uigh" typeface="Microsoft Uighur"/>
+        <a:font script="Geor" typeface="Sylfaen"/>
+      </a:majorFont>
+      <a:minorFont>
+        <a:latin typeface="Calibri" panose="020F0502020204030204"/>
+        <a:ea typeface=""/>
+        <a:cs typeface=""/>
+        <a:font script="Jpan" typeface="ＭＳ Ｐゴシック"/>
+        <a:font script="Hang" typeface="맑은 고딕"/>
+        <a:font script="Hans" typeface="宋体"/>
+        <a:font script="Hant" typeface="新細明體"/>
+        <a:font script="Arab" typeface="Arial"/>
+        <a:font script="Hebr" typeface="Arial"/>
+        <a:font script="Thai" typeface="Cordia New"/>
+        <a:font script="Ethi" typeface="Nyala"/>
+        <a:font script="Beng" typeface="Vrinda"/>
+        <a:font script="Gujr" typeface="Shruti"/>
+        <a:font script="Khmr" typeface="DaunPenh"/>
+        <a:font script="Knda" typeface="Tunga"/>
+        <a:font script="Guru" typeface="Raavi"/>
+        <a:font script="Cans" typeface="Euphemia"/>
+        <a:font script="Cher" typeface="Plantagenet Cherokee"/>
+        <a:font script="Yiii" typeface="Microsoft Yi Baiti"/>
+        <a:font script="Tibt" typeface="Microsoft Himalaya"/>
+        <a:font script="Thaa" typeface="MV Boli"/>
+        <a:font script="Deva" typeface="Mangal"/>
+        <a:font script="Telu" typeface="Gautami"/>
+        <a:font script="Taml" typeface="Latha"/>
+        <a:font script="Syrc" typeface="Estrangelo Edessa"/>
+        <a:font script="Orya" typeface="Kalinga"/>
+        <a:font script="Mlym" typeface="Kartika"/>
+        <a:font script="Laoo" typeface="DokChampa"/>
+        <a:font script="Sinh" typeface="Iskoola Pota"/>
+        <a:font script="Mong" typeface="Mongolian Baiti"/>
+        <a:font script="Viet" typeface="Arial"/>
+        <a:font script="Uigh" typeface="Microsoft Uighur"/>
+        <a:font script="Geor" typeface="Sylfaen"/>
+      </a:minorFont>
+    </a:fontScheme>
+    <a:fmtScheme name="Office">
+      <a:fillStyleLst>
+        <a:solidFill>
+          <a:schemeClr val="phClr"/>
+        </a:solidFill>
+        <a:gradFill rotWithShape="1">
+          <a:gsLst>
+            <a:gs pos="0">
+              <a:schemeClr val="phClr">
+                <a:lumMod val="110000"/>
+                <a:satMod val="105000"/>
+                <a:tint val="67000"/>
+              </a:schemeClr>
+            </a:gs>
+            <a:gs pos="50000">
+              <a:schemeClr val="phClr">
+                <a:lumMod val="105000"/>
+                <a:satMod val="103000"/>
+                <a:tint val="73000"/>
+              </a:schemeClr>
+            </a:gs>
+            <a:gs pos="100000">
+              <a:schemeClr val="phClr">
+                <a:lumMod val="105000"/>
+                <a:satMod val="109000"/>
+                <a:tint val="81000"/>
+              </a:schemeClr>
+            </a:gs>
+          </a:gsLst>
+          <a:lin ang="5400000" scaled="0"/>
+        </a:gradFill>
+        <a:gradFill rotWithShape="1">
+          <a:gsLst>
+            <a:gs pos="0">
+              <a:schemeClr val="phClr">
+                <a:satMod val="103000"/>
+                <a:lumMod val="102000"/>
+                <a:tint val="94000"/>
+              </a:schemeClr>
+            </a:gs>
+            <a:gs pos="50000">
+              <a:schemeClr val="phClr">
+                <a:satMod val="110000"/>
+                <a:lumMod val="100000"/>
+                <a:shade val="100000"/>
+              </a:schemeClr>
+            </a:gs>
+            <a:gs pos="100000">
+              <a:schemeClr val="phClr">
+                <a:lumMod val="99000"/>
+                <a:satMod val="120000"/>
+                <a:shade val="78000"/>
+              </a:schemeClr>
+            </a:gs>
+          </a:gsLst>
+          <a:lin ang="5400000" scaled="0"/>
+        </a:gradFill>
+      </a:fillStyleLst>
+      <a:lnStyleLst>
+        <a:ln w="6350" cap="flat" cmpd="sng" algn="ctr">
+          <a:solidFill>
+            <a:schemeClr val="phClr"/>
+          </a:solidFill>
+          <a:prstDash val="solid"/>
+          <a:miter lim="800000"/>
+        </a:ln>
+        <a:ln w="12700" cap="flat" cmpd="sng" algn="ctr">
+          <a:solidFill>
+            <a:schemeClr val="phClr"/>
+          </a:solidFill>
+          <a:prstDash val="solid"/>
+          <a:miter lim="800000"/>
+        </a:ln>
+        <a:ln w="19050" cap="flat" cmpd="sng" algn="ctr">
+          <a:solidFill>
+            <a:schemeClr val="phClr"/>
+          </a:solidFill>
+          <a:prstDash val="solid"/>
+          <a:miter lim="800000"/>
+        </a:ln>
+      </a:lnStyleLst>
+      <a:effectStyleLst>
+        <a:effectStyle>
+          <a:effectLst/>
+        </a:effectStyle>
+        <a:effectStyle>
+          <a:effectLst/>
+        </a:effectStyle>
+        <a:effectStyle>
+          <a:effectLst>
+            <a:outerShdw blurRad="57150" dist="19050" dir="5400000" algn="ctr" rotWithShape="0">
+              <a:srgbClr val="000000">
+                <a:alpha val="63000"/>
+              </a:srgbClr>
+            </a:outerShdw>
+          </a:effectLst>
+        </a:effectStyle>
+      </a:effectStyleLst>
+      <a:bgFillStyleLst>
+        <a:solidFill>
+          <a:schemeClr val="phClr"/>
+        </a:solidFill>
+        <a:solidFill>
+          <a:schemeClr val="phClr">
+            <a:tint val="95000"/>
+            <a:satMod val="170000"/>
+          </a:schemeClr>
+        </a:solidFill>
+        <a:gradFill rotWithShape="1">
+          <a:gsLst>
+            <a:gs pos="0">
+              <a:schemeClr val="phClr">
+                <a:tint val="93000"/>
+                <a:satMod val="150000"/>
+                <a:shade val="98000"/>
+                <a:lumMod val="102000"/>
+              </a:schemeClr>
+            </a:gs>
+            <a:gs pos="50000">
+              <a:schemeClr val="phClr">
+                <a:tint val="98000"/>
+                <a:satMod val="130000"/>
+                <a:shade val="90000"/>
+                <a:lumMod val="103000"/>
+              </a:schemeClr>
+            </a:gs>
+            <a:gs pos="100000">
+              <a:schemeClr val="phClr">
+                <a:shade val="63000"/>
+                <a:satMod val="120000"/>
+              </a:schemeClr>
+            </a:gs>
+          </a:gsLst>
+          <a:lin ang="5400000" scaled="0"/>
+        </a:gradFill>
+      </a:bgFillStyleLst>
+    </a:fmtScheme>
+  </a:themeElements>
+  <a:objectDefaults/>
+  <a:extraClrSchemeLst/>
+  <a:extLst>
+    <a:ext uri="{05A4C25C-085E-4340-85A3-A5531E510DB2}">
+      <thm15:themeFamily xmlns:thm15="http://schemas.microsoft.com/office/thememl/2012/main" name="Presentation1" id="{CCFDBDC7-21BB-4C76-AF30-04DB64B8EF67}" vid="{BA52B8E1-8BD6-4C30-9FAF-15E719021641}"/>
+    </a:ext>
+  </a:extLst>
+</a:theme>
+</file>
+
+<file path=ppt/theme/theme3.xml><?xml version="1.0" encoding="utf-8"?>
 <a:theme xmlns:a="http://schemas.openxmlformats.org/drawingml/2006/main" name="Office Theme">
   <a:themeElements>
     <a:clrScheme name="Office">
@@ -7240,18 +10578,18 @@
 </file>
 
 <file path=customXml/item2.xml><?xml version="1.0" encoding="utf-8"?>
-<p:properties xmlns:p="http://schemas.microsoft.com/office/2006/metadata/properties" xmlns:xsi="http://www.w3.org/2001/XMLSchema-instance" xmlns:pc="http://schemas.microsoft.com/office/infopath/2007/PartnerControls">
-  <documentManagement/>
-</p:properties>
-</file>
-
-<file path=customXml/item3.xml><?xml version="1.0" encoding="utf-8"?>
 <?mso-contentType ?>
 <FormTemplates xmlns="http://schemas.microsoft.com/sharepoint/v3/contenttype/forms">
   <Display>DocumentLibraryForm</Display>
   <Edit>DocumentLibraryForm</Edit>
   <New>DocumentLibraryForm</New>
 </FormTemplates>
+</file>
+
+<file path=customXml/item3.xml><?xml version="1.0" encoding="utf-8"?>
+<p:properties xmlns:p="http://schemas.microsoft.com/office/2006/metadata/properties" xmlns:xsi="http://www.w3.org/2001/XMLSchema-instance" xmlns:pc="http://schemas.microsoft.com/office/infopath/2007/PartnerControls">
+  <documentManagement/>
+</p:properties>
 </file>
 
 <file path=customXml/itemProps1.xml><?xml version="1.0" encoding="utf-8"?>
@@ -7273,6 +10611,14 @@
 </file>
 
 <file path=customXml/itemProps2.xml><?xml version="1.0" encoding="utf-8"?>
+<ds:datastoreItem xmlns:ds="http://schemas.openxmlformats.org/officeDocument/2006/customXml" ds:itemID="{1AF0A1C1-3646-4789-9606-41F3013B3A28}">
+  <ds:schemaRefs>
+    <ds:schemaRef ds:uri="http://schemas.microsoft.com/sharepoint/v3/contenttype/forms"/>
+  </ds:schemaRefs>
+</ds:datastoreItem>
+</file>
+
+<file path=customXml/itemProps3.xml><?xml version="1.0" encoding="utf-8"?>
 <ds:datastoreItem xmlns:ds="http://schemas.openxmlformats.org/officeDocument/2006/customXml" ds:itemID="{130A0CBC-D078-4FD3-829A-AF5901A4A468}">
   <ds:schemaRefs>
     <ds:schemaRef ds:uri="http://www.w3.org/XML/1998/namespace"/>
@@ -7286,12 +10632,4 @@
     <ds:schemaRef ds:uri="http://purl.org/dc/dcmitype/"/>
   </ds:schemaRefs>
 </ds:datastoreItem>
-</file>
-
-<file path=customXml/itemProps3.xml><?xml version="1.0" encoding="utf-8"?>
-<ds:datastoreItem xmlns:ds="http://schemas.openxmlformats.org/officeDocument/2006/customXml" ds:itemID="{1AF0A1C1-3646-4789-9606-41F3013B3A28}">
-  <ds:schemaRefs>
-    <ds:schemaRef ds:uri="http://schemas.microsoft.com/sharepoint/v3/contenttype/forms"/>
-  </ds:schemaRefs>
-</ds:datastoreItem>
 </file>